--- a/Day13/DAX/DAX Formulas Notes by Satish Dhawale (2).pptx
+++ b/Day13/DAX/DAX Formulas Notes by Satish Dhawale (2).pptx
@@ -5,7 +5,7 @@
     <p:sldMasterId id="2147483648" r:id="rId1"/>
   </p:sldMasterIdLst>
   <p:notesMasterIdLst>
-    <p:notesMasterId r:id="rId49"/>
+    <p:notesMasterId r:id="rId51"/>
   </p:notesMasterIdLst>
   <p:sldIdLst>
     <p:sldId id="256" r:id="rId2"/>
@@ -50,11 +50,13 @@
     <p:sldId id="295" r:id="rId41"/>
     <p:sldId id="296" r:id="rId42"/>
     <p:sldId id="297" r:id="rId43"/>
-    <p:sldId id="298" r:id="rId44"/>
-    <p:sldId id="299" r:id="rId45"/>
-    <p:sldId id="300" r:id="rId46"/>
-    <p:sldId id="301" r:id="rId47"/>
-    <p:sldId id="302" r:id="rId48"/>
+    <p:sldId id="303" r:id="rId44"/>
+    <p:sldId id="304" r:id="rId45"/>
+    <p:sldId id="298" r:id="rId46"/>
+    <p:sldId id="299" r:id="rId47"/>
+    <p:sldId id="300" r:id="rId48"/>
+    <p:sldId id="301" r:id="rId49"/>
+    <p:sldId id="302" r:id="rId50"/>
   </p:sldIdLst>
   <p:sldSz cx="12192000" cy="6858000"/>
   <p:notesSz cx="12192000" cy="6858000"/>
@@ -164,7 +166,7 @@
           <a:p>
             <a:fld id="{C32ACF05-A301-495A-9279-56ED954F16E6}" type="datetimeFigureOut">
               <a:rPr lang="en-US" smtClean="0"/>
-              <a:t>9/16/2025</a:t>
+              <a:t>9/18/2025</a:t>
             </a:fld>
             <a:endParaRPr lang="en-US"/>
           </a:p>
@@ -667,7 +669,7 @@
           <a:p>
             <a:fld id="{1D8BD707-D9CF-40AE-B4C6-C98DA3205C09}" type="datetimeFigureOut">
               <a:rPr lang="en-US"/>
-              <a:t>9/16/2025</a:t>
+              <a:t>9/18/2025</a:t>
             </a:fld>
             <a:endParaRPr lang="en-US"/>
           </a:p>
@@ -844,7 +846,7 @@
           <a:p>
             <a:fld id="{1D8BD707-D9CF-40AE-B4C6-C98DA3205C09}" type="datetimeFigureOut">
               <a:rPr lang="en-US"/>
-              <a:t>9/16/2025</a:t>
+              <a:t>9/18/2025</a:t>
             </a:fld>
             <a:endParaRPr lang="en-US"/>
           </a:p>
@@ -1058,7 +1060,7 @@
           <a:p>
             <a:fld id="{1D8BD707-D9CF-40AE-B4C6-C98DA3205C09}" type="datetimeFigureOut">
               <a:rPr lang="en-US"/>
-              <a:t>9/16/2025</a:t>
+              <a:t>9/18/2025</a:t>
             </a:fld>
             <a:endParaRPr lang="en-US"/>
           </a:p>
@@ -1264,7 +1266,7 @@
           <a:p>
             <a:fld id="{1D8BD707-D9CF-40AE-B4C6-C98DA3205C09}" type="datetimeFigureOut">
               <a:rPr lang="en-US"/>
-              <a:t>9/16/2025</a:t>
+              <a:t>9/18/2025</a:t>
             </a:fld>
             <a:endParaRPr lang="en-US"/>
           </a:p>
@@ -1391,7 +1393,7 @@
           <a:p>
             <a:fld id="{1D8BD707-D9CF-40AE-B4C6-C98DA3205C09}" type="datetimeFigureOut">
               <a:rPr lang="en-US"/>
-              <a:t>9/16/2025</a:t>
+              <a:t>9/18/2025</a:t>
             </a:fld>
             <a:endParaRPr lang="en-US"/>
           </a:p>
@@ -1666,7 +1668,7 @@
           <a:p>
             <a:fld id="{1D8BD707-D9CF-40AE-B4C6-C98DA3205C09}" type="datetimeFigureOut">
               <a:rPr lang="en-US"/>
-              <a:t>9/16/2025</a:t>
+              <a:t>9/18/2025</a:t>
             </a:fld>
             <a:endParaRPr lang="en-US"/>
           </a:p>
@@ -26872,7 +26874,7 @@
               <a:t> </a:t>
             </a:r>
             <a:r>
-              <a:rPr sz="2200" spc="-10" dirty="0">
+              <a:rPr sz="2200" spc="-10" dirty="0" err="1" smtClean="0">
                 <a:solidFill>
                   <a:srgbClr val="000F80"/>
                 </a:solidFill>
@@ -26880,6 +26882,16 @@
                 <a:cs typeface="Consolas"/>
               </a:rPr>
               <a:t>SalesData</a:t>
+            </a:r>
+            <a:r>
+              <a:rPr sz="2200" spc="-10" dirty="0" smtClean="0">
+                <a:solidFill>
+                  <a:srgbClr val="68349C"/>
+                </a:solidFill>
+                <a:latin typeface="Consolas"/>
+                <a:cs typeface="Consolas"/>
+              </a:rPr>
+              <a:t>[Sales</a:t>
             </a:r>
             <a:r>
               <a:rPr sz="2200" spc="-10" dirty="0">
@@ -26889,7 +26901,7 @@
                 <a:latin typeface="Consolas"/>
                 <a:cs typeface="Consolas"/>
               </a:rPr>
-              <a:t>[Total_Sales]</a:t>
+              <a:t>]</a:t>
             </a:r>
             <a:r>
               <a:rPr sz="2200" spc="-10" dirty="0">
@@ -30374,6 +30386,1403 @@
       </p:grpSpPr>
       <p:sp>
         <p:nvSpPr>
+          <p:cNvPr id="2" name="Title 1"/>
+          <p:cNvSpPr>
+            <a:spLocks noGrp="1"/>
+          </p:cNvSpPr>
+          <p:nvPr>
+            <p:ph type="title"/>
+          </p:nvPr>
+        </p:nvSpPr>
+        <p:spPr/>
+        <p:txBody>
+          <a:bodyPr/>
+          <a:lstStyle/>
+          <a:p>
+            <a:endParaRPr lang="en-US"/>
+          </a:p>
+        </p:txBody>
+      </p:sp>
+      <p:sp>
+        <p:nvSpPr>
+          <p:cNvPr id="3" name="Text Placeholder 2"/>
+          <p:cNvSpPr>
+            <a:spLocks noGrp="1"/>
+          </p:cNvSpPr>
+          <p:nvPr>
+            <p:ph type="body" idx="1"/>
+          </p:nvPr>
+        </p:nvSpPr>
+        <p:spPr/>
+        <p:txBody>
+          <a:bodyPr/>
+          <a:lstStyle/>
+          <a:p>
+            <a:endParaRPr lang="en-US" dirty="0"/>
+          </a:p>
+        </p:txBody>
+      </p:sp>
+      <p:graphicFrame>
+        <p:nvGraphicFramePr>
+          <p:cNvPr id="4" name="Table 3"/>
+          <p:cNvGraphicFramePr>
+            <a:graphicFrameLocks noGrp="1"/>
+          </p:cNvGraphicFramePr>
+          <p:nvPr>
+            <p:extLst>
+              <p:ext uri="{D42A27DB-BD31-4B8C-83A1-F6EECF244321}">
+                <p14:modId xmlns:p14="http://schemas.microsoft.com/office/powerpoint/2010/main" val="3630769317"/>
+              </p:ext>
+            </p:extLst>
+          </p:nvPr>
+        </p:nvGraphicFramePr>
+        <p:xfrm>
+          <a:off x="2133600" y="182880"/>
+          <a:ext cx="8128000" cy="8900160"/>
+        </p:xfrm>
+        <a:graphic>
+          <a:graphicData uri="http://schemas.openxmlformats.org/drawingml/2006/table">
+            <a:tbl>
+              <a:tblPr firstRow="1" bandRow="1">
+                <a:tableStyleId>{5C22544A-7EE6-4342-B048-85BDC9FD1C3A}</a:tableStyleId>
+              </a:tblPr>
+              <a:tblGrid>
+                <a:gridCol w="4064000">
+                  <a:extLst>
+                    <a:ext uri="{9D8B030D-6E8A-4147-A177-3AD203B41FA5}">
+                      <a16:colId xmlns:a16="http://schemas.microsoft.com/office/drawing/2014/main" val="3551186779"/>
+                    </a:ext>
+                  </a:extLst>
+                </a:gridCol>
+                <a:gridCol w="4064000">
+                  <a:extLst>
+                    <a:ext uri="{9D8B030D-6E8A-4147-A177-3AD203B41FA5}">
+                      <a16:colId xmlns:a16="http://schemas.microsoft.com/office/drawing/2014/main" val="1483603214"/>
+                    </a:ext>
+                  </a:extLst>
+                </a:gridCol>
+              </a:tblGrid>
+              <a:tr h="370840">
+                <a:tc>
+                  <a:txBody>
+                    <a:bodyPr/>
+                    <a:lstStyle/>
+                    <a:p>
+                      <a:r>
+                        <a:rPr lang="en-US" dirty="0" err="1" smtClean="0"/>
+                        <a:t>Terrm</a:t>
+                      </a:r>
+                      <a:endParaRPr lang="en-US" dirty="0"/>
+                    </a:p>
+                  </a:txBody>
+                  <a:tcPr/>
+                </a:tc>
+                <a:tc>
+                  <a:txBody>
+                    <a:bodyPr/>
+                    <a:lstStyle/>
+                    <a:p>
+                      <a:r>
+                        <a:rPr lang="en-US" dirty="0" err="1" smtClean="0"/>
+                        <a:t>Meanining</a:t>
+                      </a:r>
+                      <a:endParaRPr lang="en-US" dirty="0"/>
+                    </a:p>
+                  </a:txBody>
+                  <a:tcPr/>
+                </a:tc>
+                <a:extLst>
+                  <a:ext uri="{0D108BD9-81ED-4DB2-BD59-A6C34878D82A}">
+                    <a16:rowId xmlns:a16="http://schemas.microsoft.com/office/drawing/2014/main" val="621995320"/>
+                  </a:ext>
+                </a:extLst>
+              </a:tr>
+              <a:tr h="370840">
+                <a:tc>
+                  <a:txBody>
+                    <a:bodyPr/>
+                    <a:lstStyle/>
+                    <a:p>
+                      <a:r>
+                        <a:rPr lang="en-US" dirty="0" smtClean="0"/>
+                        <a:t>Data</a:t>
+                      </a:r>
+                      <a:r>
+                        <a:rPr lang="en-US" baseline="0" dirty="0" smtClean="0"/>
+                        <a:t> Point</a:t>
+                      </a:r>
+                      <a:endParaRPr lang="en-US" dirty="0"/>
+                    </a:p>
+                  </a:txBody>
+                  <a:tcPr/>
+                </a:tc>
+                <a:tc>
+                  <a:txBody>
+                    <a:bodyPr/>
+                    <a:lstStyle/>
+                    <a:p>
+                      <a:r>
+                        <a:rPr lang="en-US" dirty="0" smtClean="0"/>
+                        <a:t>X axis </a:t>
+                      </a:r>
+                      <a:r>
+                        <a:rPr lang="en-US" dirty="0" err="1" smtClean="0"/>
+                        <a:t>yaxis</a:t>
+                      </a:r>
+                      <a:endParaRPr lang="en-US" dirty="0"/>
+                    </a:p>
+                  </a:txBody>
+                  <a:tcPr/>
+                </a:tc>
+                <a:extLst>
+                  <a:ext uri="{0D108BD9-81ED-4DB2-BD59-A6C34878D82A}">
+                    <a16:rowId xmlns:a16="http://schemas.microsoft.com/office/drawing/2014/main" val="3405141686"/>
+                  </a:ext>
+                </a:extLst>
+              </a:tr>
+              <a:tr h="370840">
+                <a:tc>
+                  <a:txBody>
+                    <a:bodyPr/>
+                    <a:lstStyle/>
+                    <a:p>
+                      <a:r>
+                        <a:rPr lang="en-US" dirty="0" smtClean="0"/>
+                        <a:t>X axis </a:t>
+                      </a:r>
+                      <a:r>
+                        <a:rPr lang="en-US" dirty="0" err="1" smtClean="0"/>
+                        <a:t>yaxis</a:t>
+                      </a:r>
+                      <a:endParaRPr lang="en-US" dirty="0"/>
+                    </a:p>
+                  </a:txBody>
+                  <a:tcPr/>
+                </a:tc>
+                <a:tc>
+                  <a:txBody>
+                    <a:bodyPr/>
+                    <a:lstStyle/>
+                    <a:p>
+                      <a:endParaRPr lang="en-US" dirty="0"/>
+                    </a:p>
+                  </a:txBody>
+                  <a:tcPr/>
+                </a:tc>
+                <a:extLst>
+                  <a:ext uri="{0D108BD9-81ED-4DB2-BD59-A6C34878D82A}">
+                    <a16:rowId xmlns:a16="http://schemas.microsoft.com/office/drawing/2014/main" val="2728225292"/>
+                  </a:ext>
+                </a:extLst>
+              </a:tr>
+              <a:tr h="370840">
+                <a:tc>
+                  <a:txBody>
+                    <a:bodyPr/>
+                    <a:lstStyle/>
+                    <a:p>
+                      <a:r>
+                        <a:rPr lang="en-US" dirty="0" smtClean="0"/>
+                        <a:t>Figure</a:t>
+                      </a:r>
+                      <a:endParaRPr lang="en-US" dirty="0"/>
+                    </a:p>
+                  </a:txBody>
+                  <a:tcPr/>
+                </a:tc>
+                <a:tc>
+                  <a:txBody>
+                    <a:bodyPr/>
+                    <a:lstStyle/>
+                    <a:p>
+                      <a:r>
+                        <a:rPr lang="en-US" dirty="0" smtClean="0"/>
+                        <a:t>Canvas</a:t>
+                      </a:r>
+                      <a:endParaRPr lang="en-US" dirty="0"/>
+                    </a:p>
+                  </a:txBody>
+                  <a:tcPr/>
+                </a:tc>
+                <a:extLst>
+                  <a:ext uri="{0D108BD9-81ED-4DB2-BD59-A6C34878D82A}">
+                    <a16:rowId xmlns:a16="http://schemas.microsoft.com/office/drawing/2014/main" val="2877753776"/>
+                  </a:ext>
+                </a:extLst>
+              </a:tr>
+              <a:tr h="370840">
+                <a:tc>
+                  <a:txBody>
+                    <a:bodyPr/>
+                    <a:lstStyle/>
+                    <a:p>
+                      <a:r>
+                        <a:rPr lang="en-US" dirty="0" smtClean="0"/>
+                        <a:t>Axes</a:t>
+                      </a:r>
+                      <a:endParaRPr lang="en-US" dirty="0"/>
+                    </a:p>
+                  </a:txBody>
+                  <a:tcPr/>
+                </a:tc>
+                <a:tc>
+                  <a:txBody>
+                    <a:bodyPr/>
+                    <a:lstStyle/>
+                    <a:p>
+                      <a:r>
+                        <a:rPr lang="en-US" dirty="0" smtClean="0"/>
+                        <a:t>Graph Box</a:t>
+                      </a:r>
+                      <a:endParaRPr lang="en-US" dirty="0"/>
+                    </a:p>
+                  </a:txBody>
+                  <a:tcPr/>
+                </a:tc>
+                <a:extLst>
+                  <a:ext uri="{0D108BD9-81ED-4DB2-BD59-A6C34878D82A}">
+                    <a16:rowId xmlns:a16="http://schemas.microsoft.com/office/drawing/2014/main" val="240201127"/>
+                  </a:ext>
+                </a:extLst>
+              </a:tr>
+              <a:tr h="370840">
+                <a:tc>
+                  <a:txBody>
+                    <a:bodyPr/>
+                    <a:lstStyle/>
+                    <a:p>
+                      <a:r>
+                        <a:rPr lang="en-US" dirty="0" smtClean="0"/>
+                        <a:t>Plot</a:t>
+                      </a:r>
+                      <a:endParaRPr lang="en-US" dirty="0"/>
+                    </a:p>
+                  </a:txBody>
+                  <a:tcPr/>
+                </a:tc>
+                <a:tc>
+                  <a:txBody>
+                    <a:bodyPr/>
+                    <a:lstStyle/>
+                    <a:p>
+                      <a:endParaRPr lang="en-US" dirty="0"/>
+                    </a:p>
+                  </a:txBody>
+                  <a:tcPr/>
+                </a:tc>
+                <a:extLst>
+                  <a:ext uri="{0D108BD9-81ED-4DB2-BD59-A6C34878D82A}">
+                    <a16:rowId xmlns:a16="http://schemas.microsoft.com/office/drawing/2014/main" val="3073796422"/>
+                  </a:ext>
+                </a:extLst>
+              </a:tr>
+              <a:tr h="370840">
+                <a:tc>
+                  <a:txBody>
+                    <a:bodyPr/>
+                    <a:lstStyle/>
+                    <a:p>
+                      <a:r>
+                        <a:rPr lang="en-US" dirty="0" smtClean="0"/>
+                        <a:t>Marker</a:t>
+                      </a:r>
+                      <a:endParaRPr lang="en-US" dirty="0"/>
+                    </a:p>
+                  </a:txBody>
+                  <a:tcPr/>
+                </a:tc>
+                <a:tc>
+                  <a:txBody>
+                    <a:bodyPr/>
+                    <a:lstStyle/>
+                    <a:p>
+                      <a:endParaRPr lang="en-US" dirty="0"/>
+                    </a:p>
+                  </a:txBody>
+                  <a:tcPr/>
+                </a:tc>
+                <a:extLst>
+                  <a:ext uri="{0D108BD9-81ED-4DB2-BD59-A6C34878D82A}">
+                    <a16:rowId xmlns:a16="http://schemas.microsoft.com/office/drawing/2014/main" val="2926762138"/>
+                  </a:ext>
+                </a:extLst>
+              </a:tr>
+              <a:tr h="370840">
+                <a:tc>
+                  <a:txBody>
+                    <a:bodyPr/>
+                    <a:lstStyle/>
+                    <a:p>
+                      <a:r>
+                        <a:rPr lang="en-US" dirty="0" smtClean="0"/>
+                        <a:t>Line style</a:t>
+                      </a:r>
+                      <a:endParaRPr lang="en-US" dirty="0"/>
+                    </a:p>
+                  </a:txBody>
+                  <a:tcPr/>
+                </a:tc>
+                <a:tc>
+                  <a:txBody>
+                    <a:bodyPr/>
+                    <a:lstStyle/>
+                    <a:p>
+                      <a:endParaRPr lang="en-US" dirty="0"/>
+                    </a:p>
+                  </a:txBody>
+                  <a:tcPr/>
+                </a:tc>
+                <a:extLst>
+                  <a:ext uri="{0D108BD9-81ED-4DB2-BD59-A6C34878D82A}">
+                    <a16:rowId xmlns:a16="http://schemas.microsoft.com/office/drawing/2014/main" val="2634242974"/>
+                  </a:ext>
+                </a:extLst>
+              </a:tr>
+              <a:tr h="370840">
+                <a:tc>
+                  <a:txBody>
+                    <a:bodyPr/>
+                    <a:lstStyle/>
+                    <a:p>
+                      <a:r>
+                        <a:rPr lang="en-US" dirty="0" smtClean="0"/>
+                        <a:t>Color</a:t>
+                      </a:r>
+                      <a:endParaRPr lang="en-US" dirty="0"/>
+                    </a:p>
+                  </a:txBody>
+                  <a:tcPr/>
+                </a:tc>
+                <a:tc>
+                  <a:txBody>
+                    <a:bodyPr/>
+                    <a:lstStyle/>
+                    <a:p>
+                      <a:endParaRPr lang="en-US" dirty="0"/>
+                    </a:p>
+                  </a:txBody>
+                  <a:tcPr/>
+                </a:tc>
+                <a:extLst>
+                  <a:ext uri="{0D108BD9-81ED-4DB2-BD59-A6C34878D82A}">
+                    <a16:rowId xmlns:a16="http://schemas.microsoft.com/office/drawing/2014/main" val="3322951176"/>
+                  </a:ext>
+                </a:extLst>
+              </a:tr>
+              <a:tr h="370840">
+                <a:tc>
+                  <a:txBody>
+                    <a:bodyPr/>
+                    <a:lstStyle/>
+                    <a:p>
+                      <a:r>
+                        <a:rPr lang="en-US" dirty="0" smtClean="0"/>
+                        <a:t>Legend</a:t>
+                      </a:r>
+                      <a:endParaRPr lang="en-US" dirty="0"/>
+                    </a:p>
+                  </a:txBody>
+                  <a:tcPr/>
+                </a:tc>
+                <a:tc>
+                  <a:txBody>
+                    <a:bodyPr/>
+                    <a:lstStyle/>
+                    <a:p>
+                      <a:endParaRPr lang="en-US" dirty="0"/>
+                    </a:p>
+                  </a:txBody>
+                  <a:tcPr/>
+                </a:tc>
+                <a:extLst>
+                  <a:ext uri="{0D108BD9-81ED-4DB2-BD59-A6C34878D82A}">
+                    <a16:rowId xmlns:a16="http://schemas.microsoft.com/office/drawing/2014/main" val="2896281293"/>
+                  </a:ext>
+                </a:extLst>
+              </a:tr>
+              <a:tr h="370840">
+                <a:tc>
+                  <a:txBody>
+                    <a:bodyPr/>
+                    <a:lstStyle/>
+                    <a:p>
+                      <a:r>
+                        <a:rPr lang="en-US" dirty="0" smtClean="0"/>
+                        <a:t>Label</a:t>
+                      </a:r>
+                      <a:endParaRPr lang="en-US" dirty="0"/>
+                    </a:p>
+                  </a:txBody>
+                  <a:tcPr/>
+                </a:tc>
+                <a:tc>
+                  <a:txBody>
+                    <a:bodyPr/>
+                    <a:lstStyle/>
+                    <a:p>
+                      <a:endParaRPr lang="en-US" dirty="0"/>
+                    </a:p>
+                  </a:txBody>
+                  <a:tcPr/>
+                </a:tc>
+                <a:extLst>
+                  <a:ext uri="{0D108BD9-81ED-4DB2-BD59-A6C34878D82A}">
+                    <a16:rowId xmlns:a16="http://schemas.microsoft.com/office/drawing/2014/main" val="537021413"/>
+                  </a:ext>
+                </a:extLst>
+              </a:tr>
+              <a:tr h="370840">
+                <a:tc>
+                  <a:txBody>
+                    <a:bodyPr/>
+                    <a:lstStyle/>
+                    <a:p>
+                      <a:r>
+                        <a:rPr lang="en-US" dirty="0" smtClean="0"/>
+                        <a:t>Title</a:t>
+                      </a:r>
+                      <a:endParaRPr lang="en-US" dirty="0"/>
+                    </a:p>
+                  </a:txBody>
+                  <a:tcPr/>
+                </a:tc>
+                <a:tc>
+                  <a:txBody>
+                    <a:bodyPr/>
+                    <a:lstStyle/>
+                    <a:p>
+                      <a:endParaRPr lang="en-US" dirty="0"/>
+                    </a:p>
+                  </a:txBody>
+                  <a:tcPr/>
+                </a:tc>
+                <a:extLst>
+                  <a:ext uri="{0D108BD9-81ED-4DB2-BD59-A6C34878D82A}">
+                    <a16:rowId xmlns:a16="http://schemas.microsoft.com/office/drawing/2014/main" val="1353750652"/>
+                  </a:ext>
+                </a:extLst>
+              </a:tr>
+              <a:tr h="370840">
+                <a:tc>
+                  <a:txBody>
+                    <a:bodyPr/>
+                    <a:lstStyle/>
+                    <a:p>
+                      <a:r>
+                        <a:rPr lang="en-US" dirty="0" smtClean="0"/>
+                        <a:t>Grid</a:t>
+                      </a:r>
+                      <a:endParaRPr lang="en-US" dirty="0"/>
+                    </a:p>
+                  </a:txBody>
+                  <a:tcPr/>
+                </a:tc>
+                <a:tc>
+                  <a:txBody>
+                    <a:bodyPr/>
+                    <a:lstStyle/>
+                    <a:p>
+                      <a:endParaRPr lang="en-US" dirty="0"/>
+                    </a:p>
+                  </a:txBody>
+                  <a:tcPr/>
+                </a:tc>
+                <a:extLst>
+                  <a:ext uri="{0D108BD9-81ED-4DB2-BD59-A6C34878D82A}">
+                    <a16:rowId xmlns:a16="http://schemas.microsoft.com/office/drawing/2014/main" val="3242892994"/>
+                  </a:ext>
+                </a:extLst>
+              </a:tr>
+              <a:tr h="370840">
+                <a:tc>
+                  <a:txBody>
+                    <a:bodyPr/>
+                    <a:lstStyle/>
+                    <a:p>
+                      <a:r>
+                        <a:rPr lang="en-US" dirty="0" smtClean="0"/>
+                        <a:t>Function</a:t>
+                      </a:r>
+                      <a:endParaRPr lang="en-US" dirty="0"/>
+                    </a:p>
+                  </a:txBody>
+                  <a:tcPr/>
+                </a:tc>
+                <a:tc>
+                  <a:txBody>
+                    <a:bodyPr/>
+                    <a:lstStyle/>
+                    <a:p>
+                      <a:endParaRPr lang="en-US" dirty="0"/>
+                    </a:p>
+                  </a:txBody>
+                  <a:tcPr/>
+                </a:tc>
+                <a:extLst>
+                  <a:ext uri="{0D108BD9-81ED-4DB2-BD59-A6C34878D82A}">
+                    <a16:rowId xmlns:a16="http://schemas.microsoft.com/office/drawing/2014/main" val="3080029959"/>
+                  </a:ext>
+                </a:extLst>
+              </a:tr>
+              <a:tr h="370840">
+                <a:tc>
+                  <a:txBody>
+                    <a:bodyPr/>
+                    <a:lstStyle/>
+                    <a:p>
+                      <a:r>
+                        <a:rPr lang="en-US" dirty="0" smtClean="0"/>
+                        <a:t>Method</a:t>
+                      </a:r>
+                      <a:endParaRPr lang="en-US" dirty="0"/>
+                    </a:p>
+                  </a:txBody>
+                  <a:tcPr/>
+                </a:tc>
+                <a:tc>
+                  <a:txBody>
+                    <a:bodyPr/>
+                    <a:lstStyle/>
+                    <a:p>
+                      <a:endParaRPr lang="en-US" dirty="0"/>
+                    </a:p>
+                  </a:txBody>
+                  <a:tcPr/>
+                </a:tc>
+                <a:extLst>
+                  <a:ext uri="{0D108BD9-81ED-4DB2-BD59-A6C34878D82A}">
+                    <a16:rowId xmlns:a16="http://schemas.microsoft.com/office/drawing/2014/main" val="2066961011"/>
+                  </a:ext>
+                </a:extLst>
+              </a:tr>
+              <a:tr h="370840">
+                <a:tc>
+                  <a:txBody>
+                    <a:bodyPr/>
+                    <a:lstStyle/>
+                    <a:p>
+                      <a:r>
+                        <a:rPr lang="en-US" dirty="0" smtClean="0"/>
+                        <a:t>Parameters1</a:t>
+                      </a:r>
+                      <a:endParaRPr lang="en-US" dirty="0"/>
+                    </a:p>
+                  </a:txBody>
+                  <a:tcPr/>
+                </a:tc>
+                <a:tc>
+                  <a:txBody>
+                    <a:bodyPr/>
+                    <a:lstStyle/>
+                    <a:p>
+                      <a:endParaRPr lang="en-US" dirty="0"/>
+                    </a:p>
+                  </a:txBody>
+                  <a:tcPr/>
+                </a:tc>
+                <a:extLst>
+                  <a:ext uri="{0D108BD9-81ED-4DB2-BD59-A6C34878D82A}">
+                    <a16:rowId xmlns:a16="http://schemas.microsoft.com/office/drawing/2014/main" val="1206576104"/>
+                  </a:ext>
+                </a:extLst>
+              </a:tr>
+              <a:tr h="370840">
+                <a:tc>
+                  <a:txBody>
+                    <a:bodyPr/>
+                    <a:lstStyle/>
+                    <a:p>
+                      <a:r>
+                        <a:rPr lang="en-US" dirty="0" smtClean="0"/>
+                        <a:t>Key arguments</a:t>
+                      </a:r>
+                      <a:endParaRPr lang="en-US" dirty="0"/>
+                    </a:p>
+                  </a:txBody>
+                  <a:tcPr/>
+                </a:tc>
+                <a:tc>
+                  <a:txBody>
+                    <a:bodyPr/>
+                    <a:lstStyle/>
+                    <a:p>
+                      <a:endParaRPr lang="en-US" dirty="0"/>
+                    </a:p>
+                  </a:txBody>
+                  <a:tcPr/>
+                </a:tc>
+                <a:extLst>
+                  <a:ext uri="{0D108BD9-81ED-4DB2-BD59-A6C34878D82A}">
+                    <a16:rowId xmlns:a16="http://schemas.microsoft.com/office/drawing/2014/main" val="83852681"/>
+                  </a:ext>
+                </a:extLst>
+              </a:tr>
+              <a:tr h="370840">
+                <a:tc>
+                  <a:txBody>
+                    <a:bodyPr/>
+                    <a:lstStyle/>
+                    <a:p>
+                      <a:r>
+                        <a:rPr lang="en-US" dirty="0" smtClean="0"/>
+                        <a:t>Object oriented </a:t>
+                      </a:r>
+                      <a:r>
+                        <a:rPr lang="en-US" dirty="0" err="1" smtClean="0"/>
+                        <a:t>api</a:t>
+                      </a:r>
+                      <a:endParaRPr lang="en-US" dirty="0"/>
+                    </a:p>
+                  </a:txBody>
+                  <a:tcPr/>
+                </a:tc>
+                <a:tc>
+                  <a:txBody>
+                    <a:bodyPr/>
+                    <a:lstStyle/>
+                    <a:p>
+                      <a:endParaRPr lang="en-US" dirty="0"/>
+                    </a:p>
+                  </a:txBody>
+                  <a:tcPr/>
+                </a:tc>
+                <a:extLst>
+                  <a:ext uri="{0D108BD9-81ED-4DB2-BD59-A6C34878D82A}">
+                    <a16:rowId xmlns:a16="http://schemas.microsoft.com/office/drawing/2014/main" val="942933046"/>
+                  </a:ext>
+                </a:extLst>
+              </a:tr>
+              <a:tr h="370840">
+                <a:tc>
+                  <a:txBody>
+                    <a:bodyPr/>
+                    <a:lstStyle/>
+                    <a:p>
+                      <a:r>
+                        <a:rPr lang="en-US" dirty="0" smtClean="0"/>
+                        <a:t>DPI dot per inch</a:t>
+                      </a:r>
+                      <a:endParaRPr lang="en-US" dirty="0"/>
+                    </a:p>
+                  </a:txBody>
+                  <a:tcPr/>
+                </a:tc>
+                <a:tc>
+                  <a:txBody>
+                    <a:bodyPr/>
+                    <a:lstStyle/>
+                    <a:p>
+                      <a:endParaRPr lang="en-US" dirty="0"/>
+                    </a:p>
+                  </a:txBody>
+                  <a:tcPr/>
+                </a:tc>
+                <a:extLst>
+                  <a:ext uri="{0D108BD9-81ED-4DB2-BD59-A6C34878D82A}">
+                    <a16:rowId xmlns:a16="http://schemas.microsoft.com/office/drawing/2014/main" val="4109772148"/>
+                  </a:ext>
+                </a:extLst>
+              </a:tr>
+              <a:tr h="370840">
+                <a:tc>
+                  <a:txBody>
+                    <a:bodyPr/>
+                    <a:lstStyle/>
+                    <a:p>
+                      <a:r>
+                        <a:rPr lang="en-US" dirty="0" smtClean="0"/>
+                        <a:t>Backend</a:t>
+                      </a:r>
+                      <a:endParaRPr lang="en-US" dirty="0"/>
+                    </a:p>
+                  </a:txBody>
+                  <a:tcPr/>
+                </a:tc>
+                <a:tc>
+                  <a:txBody>
+                    <a:bodyPr/>
+                    <a:lstStyle/>
+                    <a:p>
+                      <a:endParaRPr lang="en-US" dirty="0"/>
+                    </a:p>
+                  </a:txBody>
+                  <a:tcPr/>
+                </a:tc>
+                <a:extLst>
+                  <a:ext uri="{0D108BD9-81ED-4DB2-BD59-A6C34878D82A}">
+                    <a16:rowId xmlns:a16="http://schemas.microsoft.com/office/drawing/2014/main" val="2158600930"/>
+                  </a:ext>
+                </a:extLst>
+              </a:tr>
+              <a:tr h="370840">
+                <a:tc>
+                  <a:txBody>
+                    <a:bodyPr/>
+                    <a:lstStyle/>
+                    <a:p>
+                      <a:endParaRPr lang="en-US" dirty="0"/>
+                    </a:p>
+                  </a:txBody>
+                  <a:tcPr/>
+                </a:tc>
+                <a:tc>
+                  <a:txBody>
+                    <a:bodyPr/>
+                    <a:lstStyle/>
+                    <a:p>
+                      <a:endParaRPr lang="en-US" dirty="0"/>
+                    </a:p>
+                  </a:txBody>
+                  <a:tcPr/>
+                </a:tc>
+                <a:extLst>
+                  <a:ext uri="{0D108BD9-81ED-4DB2-BD59-A6C34878D82A}">
+                    <a16:rowId xmlns:a16="http://schemas.microsoft.com/office/drawing/2014/main" val="874932281"/>
+                  </a:ext>
+                </a:extLst>
+              </a:tr>
+              <a:tr h="370840">
+                <a:tc>
+                  <a:txBody>
+                    <a:bodyPr/>
+                    <a:lstStyle/>
+                    <a:p>
+                      <a:endParaRPr lang="en-US" dirty="0"/>
+                    </a:p>
+                  </a:txBody>
+                  <a:tcPr/>
+                </a:tc>
+                <a:tc>
+                  <a:txBody>
+                    <a:bodyPr/>
+                    <a:lstStyle/>
+                    <a:p>
+                      <a:endParaRPr lang="en-US" dirty="0"/>
+                    </a:p>
+                  </a:txBody>
+                  <a:tcPr/>
+                </a:tc>
+                <a:extLst>
+                  <a:ext uri="{0D108BD9-81ED-4DB2-BD59-A6C34878D82A}">
+                    <a16:rowId xmlns:a16="http://schemas.microsoft.com/office/drawing/2014/main" val="2625675995"/>
+                  </a:ext>
+                </a:extLst>
+              </a:tr>
+              <a:tr h="370840">
+                <a:tc>
+                  <a:txBody>
+                    <a:bodyPr/>
+                    <a:lstStyle/>
+                    <a:p>
+                      <a:endParaRPr lang="en-US" dirty="0"/>
+                    </a:p>
+                  </a:txBody>
+                  <a:tcPr/>
+                </a:tc>
+                <a:tc>
+                  <a:txBody>
+                    <a:bodyPr/>
+                    <a:lstStyle/>
+                    <a:p>
+                      <a:endParaRPr lang="en-US" dirty="0"/>
+                    </a:p>
+                  </a:txBody>
+                  <a:tcPr/>
+                </a:tc>
+                <a:extLst>
+                  <a:ext uri="{0D108BD9-81ED-4DB2-BD59-A6C34878D82A}">
+                    <a16:rowId xmlns:a16="http://schemas.microsoft.com/office/drawing/2014/main" val="1220729785"/>
+                  </a:ext>
+                </a:extLst>
+              </a:tr>
+              <a:tr h="370840">
+                <a:tc>
+                  <a:txBody>
+                    <a:bodyPr/>
+                    <a:lstStyle/>
+                    <a:p>
+                      <a:endParaRPr lang="en-US" dirty="0"/>
+                    </a:p>
+                  </a:txBody>
+                  <a:tcPr/>
+                </a:tc>
+                <a:tc>
+                  <a:txBody>
+                    <a:bodyPr/>
+                    <a:lstStyle/>
+                    <a:p>
+                      <a:endParaRPr lang="en-US" dirty="0"/>
+                    </a:p>
+                  </a:txBody>
+                  <a:tcPr/>
+                </a:tc>
+                <a:extLst>
+                  <a:ext uri="{0D108BD9-81ED-4DB2-BD59-A6C34878D82A}">
+                    <a16:rowId xmlns:a16="http://schemas.microsoft.com/office/drawing/2014/main" val="2336591737"/>
+                  </a:ext>
+                </a:extLst>
+              </a:tr>
+            </a:tbl>
+          </a:graphicData>
+        </a:graphic>
+      </p:graphicFrame>
+    </p:spTree>
+    <p:extLst>
+      <p:ext uri="{BB962C8B-B14F-4D97-AF65-F5344CB8AC3E}">
+        <p14:creationId xmlns:p14="http://schemas.microsoft.com/office/powerpoint/2010/main" val="1327829641"/>
+      </p:ext>
+    </p:extLst>
+  </p:cSld>
+  <p:clrMapOvr>
+    <a:masterClrMapping/>
+  </p:clrMapOvr>
+</p:sld>
+</file>
+
+<file path=ppt/slides/slide44.xml><?xml version="1.0" encoding="utf-8"?>
+<p:sld xmlns:a="http://schemas.openxmlformats.org/drawingml/2006/main" xmlns:r="http://schemas.openxmlformats.org/officeDocument/2006/relationships" xmlns:p="http://schemas.openxmlformats.org/presentationml/2006/main">
+  <p:cSld>
+    <p:spTree>
+      <p:nvGrpSpPr>
+        <p:cNvPr id="1" name=""/>
+        <p:cNvGrpSpPr/>
+        <p:nvPr/>
+      </p:nvGrpSpPr>
+      <p:grpSpPr>
+        <a:xfrm>
+          <a:off x="0" y="0"/>
+          <a:ext cx="0" cy="0"/>
+          <a:chOff x="0" y="0"/>
+          <a:chExt cx="0" cy="0"/>
+        </a:xfrm>
+      </p:grpSpPr>
+      <p:sp>
+        <p:nvSpPr>
+          <p:cNvPr id="2" name="Title 1"/>
+          <p:cNvSpPr>
+            <a:spLocks noGrp="1"/>
+          </p:cNvSpPr>
+          <p:nvPr>
+            <p:ph type="title"/>
+          </p:nvPr>
+        </p:nvSpPr>
+        <p:spPr/>
+        <p:txBody>
+          <a:bodyPr/>
+          <a:lstStyle/>
+          <a:p>
+            <a:endParaRPr lang="en-US"/>
+          </a:p>
+        </p:txBody>
+      </p:sp>
+      <p:sp>
+        <p:nvSpPr>
+          <p:cNvPr id="3" name="Text Placeholder 2"/>
+          <p:cNvSpPr>
+            <a:spLocks noGrp="1"/>
+          </p:cNvSpPr>
+          <p:nvPr>
+            <p:ph type="body" idx="1"/>
+          </p:nvPr>
+        </p:nvSpPr>
+        <p:spPr/>
+        <p:txBody>
+          <a:bodyPr/>
+          <a:lstStyle/>
+          <a:p>
+            <a:endParaRPr lang="en-US" dirty="0"/>
+          </a:p>
+        </p:txBody>
+      </p:sp>
+      <p:graphicFrame>
+        <p:nvGraphicFramePr>
+          <p:cNvPr id="6" name="Table 5"/>
+          <p:cNvGraphicFramePr>
+            <a:graphicFrameLocks noGrp="1"/>
+          </p:cNvGraphicFramePr>
+          <p:nvPr>
+            <p:extLst>
+              <p:ext uri="{D42A27DB-BD31-4B8C-83A1-F6EECF244321}">
+                <p14:modId xmlns:p14="http://schemas.microsoft.com/office/powerpoint/2010/main" val="2053246579"/>
+              </p:ext>
+            </p:extLst>
+          </p:nvPr>
+        </p:nvGraphicFramePr>
+        <p:xfrm>
+          <a:off x="2032000" y="719666"/>
+          <a:ext cx="8128000" cy="4820920"/>
+        </p:xfrm>
+        <a:graphic>
+          <a:graphicData uri="http://schemas.openxmlformats.org/drawingml/2006/table">
+            <a:tbl>
+              <a:tblPr firstRow="1" bandRow="1">
+                <a:tableStyleId>{5C22544A-7EE6-4342-B048-85BDC9FD1C3A}</a:tableStyleId>
+              </a:tblPr>
+              <a:tblGrid>
+                <a:gridCol w="4064000">
+                  <a:extLst>
+                    <a:ext uri="{9D8B030D-6E8A-4147-A177-3AD203B41FA5}">
+                      <a16:colId xmlns:a16="http://schemas.microsoft.com/office/drawing/2014/main" val="2083587559"/>
+                    </a:ext>
+                  </a:extLst>
+                </a:gridCol>
+                <a:gridCol w="4064000">
+                  <a:extLst>
+                    <a:ext uri="{9D8B030D-6E8A-4147-A177-3AD203B41FA5}">
+                      <a16:colId xmlns:a16="http://schemas.microsoft.com/office/drawing/2014/main" val="2724522057"/>
+                    </a:ext>
+                  </a:extLst>
+                </a:gridCol>
+              </a:tblGrid>
+              <a:tr h="370840">
+                <a:tc>
+                  <a:txBody>
+                    <a:bodyPr/>
+                    <a:lstStyle/>
+                    <a:p>
+                      <a:r>
+                        <a:rPr lang="en-US" dirty="0" smtClean="0"/>
+                        <a:t>name</a:t>
+                      </a:r>
+                      <a:endParaRPr lang="en-US" dirty="0"/>
+                    </a:p>
+                  </a:txBody>
+                  <a:tcPr/>
+                </a:tc>
+                <a:tc>
+                  <a:txBody>
+                    <a:bodyPr/>
+                    <a:lstStyle/>
+                    <a:p>
+                      <a:endParaRPr lang="en-US" dirty="0"/>
+                    </a:p>
+                  </a:txBody>
+                  <a:tcPr/>
+                </a:tc>
+                <a:extLst>
+                  <a:ext uri="{0D108BD9-81ED-4DB2-BD59-A6C34878D82A}">
+                    <a16:rowId xmlns:a16="http://schemas.microsoft.com/office/drawing/2014/main" val="1177070508"/>
+                  </a:ext>
+                </a:extLst>
+              </a:tr>
+              <a:tr h="370840">
+                <a:tc>
+                  <a:txBody>
+                    <a:bodyPr/>
+                    <a:lstStyle/>
+                    <a:p>
+                      <a:r>
+                        <a:rPr lang="en-US" dirty="0" smtClean="0"/>
+                        <a:t>Grid()</a:t>
+                      </a:r>
+                      <a:endParaRPr lang="en-US" dirty="0"/>
+                    </a:p>
+                  </a:txBody>
+                  <a:tcPr/>
+                </a:tc>
+                <a:tc>
+                  <a:txBody>
+                    <a:bodyPr/>
+                    <a:lstStyle/>
+                    <a:p>
+                      <a:endParaRPr lang="en-US" dirty="0"/>
+                    </a:p>
+                  </a:txBody>
+                  <a:tcPr/>
+                </a:tc>
+                <a:extLst>
+                  <a:ext uri="{0D108BD9-81ED-4DB2-BD59-A6C34878D82A}">
+                    <a16:rowId xmlns:a16="http://schemas.microsoft.com/office/drawing/2014/main" val="2653520351"/>
+                  </a:ext>
+                </a:extLst>
+              </a:tr>
+              <a:tr h="370840">
+                <a:tc>
+                  <a:txBody>
+                    <a:bodyPr/>
+                    <a:lstStyle/>
+                    <a:p>
+                      <a:r>
+                        <a:rPr lang="en-US" dirty="0" err="1" smtClean="0"/>
+                        <a:t>Xlabel</a:t>
+                      </a:r>
+                      <a:endParaRPr lang="en-US" dirty="0"/>
+                    </a:p>
+                  </a:txBody>
+                  <a:tcPr/>
+                </a:tc>
+                <a:tc>
+                  <a:txBody>
+                    <a:bodyPr/>
+                    <a:lstStyle/>
+                    <a:p>
+                      <a:endParaRPr lang="en-US" dirty="0"/>
+                    </a:p>
+                  </a:txBody>
+                  <a:tcPr/>
+                </a:tc>
+                <a:extLst>
+                  <a:ext uri="{0D108BD9-81ED-4DB2-BD59-A6C34878D82A}">
+                    <a16:rowId xmlns:a16="http://schemas.microsoft.com/office/drawing/2014/main" val="3690951078"/>
+                  </a:ext>
+                </a:extLst>
+              </a:tr>
+              <a:tr h="370840">
+                <a:tc>
+                  <a:txBody>
+                    <a:bodyPr/>
+                    <a:lstStyle/>
+                    <a:p>
+                      <a:r>
+                        <a:rPr lang="en-US" dirty="0" err="1" smtClean="0"/>
+                        <a:t>Ylabel</a:t>
+                      </a:r>
+                      <a:r>
+                        <a:rPr lang="en-US" dirty="0" smtClean="0"/>
+                        <a:t>()</a:t>
+                      </a:r>
+                      <a:endParaRPr lang="en-US" dirty="0"/>
+                    </a:p>
+                  </a:txBody>
+                  <a:tcPr/>
+                </a:tc>
+                <a:tc>
+                  <a:txBody>
+                    <a:bodyPr/>
+                    <a:lstStyle/>
+                    <a:p>
+                      <a:endParaRPr lang="en-US" dirty="0"/>
+                    </a:p>
+                  </a:txBody>
+                  <a:tcPr/>
+                </a:tc>
+                <a:extLst>
+                  <a:ext uri="{0D108BD9-81ED-4DB2-BD59-A6C34878D82A}">
+                    <a16:rowId xmlns:a16="http://schemas.microsoft.com/office/drawing/2014/main" val="2008736921"/>
+                  </a:ext>
+                </a:extLst>
+              </a:tr>
+              <a:tr h="370840">
+                <a:tc>
+                  <a:txBody>
+                    <a:bodyPr/>
+                    <a:lstStyle/>
+                    <a:p>
+                      <a:r>
+                        <a:rPr lang="en-US" dirty="0" smtClean="0"/>
+                        <a:t>Plot()</a:t>
+                      </a:r>
+                      <a:endParaRPr lang="en-US" dirty="0"/>
+                    </a:p>
+                  </a:txBody>
+                  <a:tcPr/>
+                </a:tc>
+                <a:tc>
+                  <a:txBody>
+                    <a:bodyPr/>
+                    <a:lstStyle/>
+                    <a:p>
+                      <a:endParaRPr lang="en-US" dirty="0"/>
+                    </a:p>
+                  </a:txBody>
+                  <a:tcPr/>
+                </a:tc>
+                <a:extLst>
+                  <a:ext uri="{0D108BD9-81ED-4DB2-BD59-A6C34878D82A}">
+                    <a16:rowId xmlns:a16="http://schemas.microsoft.com/office/drawing/2014/main" val="3881859737"/>
+                  </a:ext>
+                </a:extLst>
+              </a:tr>
+              <a:tr h="370840">
+                <a:tc>
+                  <a:txBody>
+                    <a:bodyPr/>
+                    <a:lstStyle/>
+                    <a:p>
+                      <a:r>
+                        <a:rPr lang="en-US" dirty="0" smtClean="0"/>
+                        <a:t>Title()</a:t>
+                      </a:r>
+                      <a:endParaRPr lang="en-US" dirty="0"/>
+                    </a:p>
+                  </a:txBody>
+                  <a:tcPr/>
+                </a:tc>
+                <a:tc>
+                  <a:txBody>
+                    <a:bodyPr/>
+                    <a:lstStyle/>
+                    <a:p>
+                      <a:endParaRPr lang="en-US" dirty="0"/>
+                    </a:p>
+                  </a:txBody>
+                  <a:tcPr/>
+                </a:tc>
+                <a:extLst>
+                  <a:ext uri="{0D108BD9-81ED-4DB2-BD59-A6C34878D82A}">
+                    <a16:rowId xmlns:a16="http://schemas.microsoft.com/office/drawing/2014/main" val="1449507533"/>
+                  </a:ext>
+                </a:extLst>
+              </a:tr>
+              <a:tr h="370840">
+                <a:tc>
+                  <a:txBody>
+                    <a:bodyPr/>
+                    <a:lstStyle/>
+                    <a:p>
+                      <a:r>
+                        <a:rPr lang="en-US" dirty="0" smtClean="0"/>
+                        <a:t>Legend()</a:t>
+                      </a:r>
+                    </a:p>
+                  </a:txBody>
+                  <a:tcPr/>
+                </a:tc>
+                <a:tc>
+                  <a:txBody>
+                    <a:bodyPr/>
+                    <a:lstStyle/>
+                    <a:p>
+                      <a:endParaRPr lang="en-US" dirty="0"/>
+                    </a:p>
+                  </a:txBody>
+                  <a:tcPr/>
+                </a:tc>
+                <a:extLst>
+                  <a:ext uri="{0D108BD9-81ED-4DB2-BD59-A6C34878D82A}">
+                    <a16:rowId xmlns:a16="http://schemas.microsoft.com/office/drawing/2014/main" val="2505363628"/>
+                  </a:ext>
+                </a:extLst>
+              </a:tr>
+              <a:tr h="370840">
+                <a:tc>
+                  <a:txBody>
+                    <a:bodyPr/>
+                    <a:lstStyle/>
+                    <a:p>
+                      <a:r>
+                        <a:rPr lang="en-US" dirty="0" err="1" smtClean="0"/>
+                        <a:t>Xlim</a:t>
+                      </a:r>
+                      <a:r>
+                        <a:rPr lang="en-US" dirty="0" smtClean="0"/>
+                        <a:t>()</a:t>
+                      </a:r>
+                    </a:p>
+                  </a:txBody>
+                  <a:tcPr/>
+                </a:tc>
+                <a:tc>
+                  <a:txBody>
+                    <a:bodyPr/>
+                    <a:lstStyle/>
+                    <a:p>
+                      <a:endParaRPr lang="en-US" dirty="0"/>
+                    </a:p>
+                  </a:txBody>
+                  <a:tcPr/>
+                </a:tc>
+                <a:extLst>
+                  <a:ext uri="{0D108BD9-81ED-4DB2-BD59-A6C34878D82A}">
+                    <a16:rowId xmlns:a16="http://schemas.microsoft.com/office/drawing/2014/main" val="127718170"/>
+                  </a:ext>
+                </a:extLst>
+              </a:tr>
+              <a:tr h="370840">
+                <a:tc>
+                  <a:txBody>
+                    <a:bodyPr/>
+                    <a:lstStyle/>
+                    <a:p>
+                      <a:r>
+                        <a:rPr lang="en-US" dirty="0" err="1" smtClean="0"/>
+                        <a:t>Ylim</a:t>
+                      </a:r>
+                      <a:r>
+                        <a:rPr lang="en-US" dirty="0" smtClean="0"/>
+                        <a:t>()</a:t>
+                      </a:r>
+                    </a:p>
+                  </a:txBody>
+                  <a:tcPr/>
+                </a:tc>
+                <a:tc>
+                  <a:txBody>
+                    <a:bodyPr/>
+                    <a:lstStyle/>
+                    <a:p>
+                      <a:endParaRPr lang="en-US" dirty="0"/>
+                    </a:p>
+                  </a:txBody>
+                  <a:tcPr/>
+                </a:tc>
+                <a:extLst>
+                  <a:ext uri="{0D108BD9-81ED-4DB2-BD59-A6C34878D82A}">
+                    <a16:rowId xmlns:a16="http://schemas.microsoft.com/office/drawing/2014/main" val="755442208"/>
+                  </a:ext>
+                </a:extLst>
+              </a:tr>
+              <a:tr h="370840">
+                <a:tc>
+                  <a:txBody>
+                    <a:bodyPr/>
+                    <a:lstStyle/>
+                    <a:p>
+                      <a:r>
+                        <a:rPr lang="en-US" dirty="0" smtClean="0"/>
+                        <a:t>Show()</a:t>
+                      </a:r>
+                    </a:p>
+                  </a:txBody>
+                  <a:tcPr/>
+                </a:tc>
+                <a:tc>
+                  <a:txBody>
+                    <a:bodyPr/>
+                    <a:lstStyle/>
+                    <a:p>
+                      <a:endParaRPr lang="en-US" dirty="0"/>
+                    </a:p>
+                  </a:txBody>
+                  <a:tcPr/>
+                </a:tc>
+                <a:extLst>
+                  <a:ext uri="{0D108BD9-81ED-4DB2-BD59-A6C34878D82A}">
+                    <a16:rowId xmlns:a16="http://schemas.microsoft.com/office/drawing/2014/main" val="3017482773"/>
+                  </a:ext>
+                </a:extLst>
+              </a:tr>
+              <a:tr h="370840">
+                <a:tc>
+                  <a:txBody>
+                    <a:bodyPr/>
+                    <a:lstStyle/>
+                    <a:p>
+                      <a:r>
+                        <a:rPr lang="en-US" dirty="0" err="1" smtClean="0"/>
+                        <a:t>Xtickes</a:t>
+                      </a:r>
+                      <a:r>
+                        <a:rPr lang="en-US" dirty="0" smtClean="0"/>
+                        <a:t>()</a:t>
+                      </a:r>
+                    </a:p>
+                  </a:txBody>
+                  <a:tcPr/>
+                </a:tc>
+                <a:tc>
+                  <a:txBody>
+                    <a:bodyPr/>
+                    <a:lstStyle/>
+                    <a:p>
+                      <a:endParaRPr lang="en-US" dirty="0"/>
+                    </a:p>
+                  </a:txBody>
+                  <a:tcPr/>
+                </a:tc>
+                <a:extLst>
+                  <a:ext uri="{0D108BD9-81ED-4DB2-BD59-A6C34878D82A}">
+                    <a16:rowId xmlns:a16="http://schemas.microsoft.com/office/drawing/2014/main" val="3887614259"/>
+                  </a:ext>
+                </a:extLst>
+              </a:tr>
+              <a:tr h="370840">
+                <a:tc>
+                  <a:txBody>
+                    <a:bodyPr/>
+                    <a:lstStyle/>
+                    <a:p>
+                      <a:r>
+                        <a:rPr lang="en-US" dirty="0" err="1" smtClean="0"/>
+                        <a:t>Yticks</a:t>
+                      </a:r>
+                      <a:r>
+                        <a:rPr lang="en-US" dirty="0" smtClean="0"/>
+                        <a:t>()</a:t>
+                      </a:r>
+                    </a:p>
+                  </a:txBody>
+                  <a:tcPr/>
+                </a:tc>
+                <a:tc>
+                  <a:txBody>
+                    <a:bodyPr/>
+                    <a:lstStyle/>
+                    <a:p>
+                      <a:endParaRPr lang="en-US" dirty="0"/>
+                    </a:p>
+                  </a:txBody>
+                  <a:tcPr/>
+                </a:tc>
+                <a:extLst>
+                  <a:ext uri="{0D108BD9-81ED-4DB2-BD59-A6C34878D82A}">
+                    <a16:rowId xmlns:a16="http://schemas.microsoft.com/office/drawing/2014/main" val="3055111370"/>
+                  </a:ext>
+                </a:extLst>
+              </a:tr>
+              <a:tr h="370840">
+                <a:tc>
+                  <a:txBody>
+                    <a:bodyPr/>
+                    <a:lstStyle/>
+                    <a:p>
+                      <a:endParaRPr lang="en-US" dirty="0" smtClean="0"/>
+                    </a:p>
+                  </a:txBody>
+                  <a:tcPr/>
+                </a:tc>
+                <a:tc>
+                  <a:txBody>
+                    <a:bodyPr/>
+                    <a:lstStyle/>
+                    <a:p>
+                      <a:endParaRPr lang="en-US" dirty="0"/>
+                    </a:p>
+                  </a:txBody>
+                  <a:tcPr/>
+                </a:tc>
+                <a:extLst>
+                  <a:ext uri="{0D108BD9-81ED-4DB2-BD59-A6C34878D82A}">
+                    <a16:rowId xmlns:a16="http://schemas.microsoft.com/office/drawing/2014/main" val="3450290472"/>
+                  </a:ext>
+                </a:extLst>
+              </a:tr>
+            </a:tbl>
+          </a:graphicData>
+        </a:graphic>
+      </p:graphicFrame>
+    </p:spTree>
+    <p:extLst>
+      <p:ext uri="{BB962C8B-B14F-4D97-AF65-F5344CB8AC3E}">
+        <p14:creationId xmlns:p14="http://schemas.microsoft.com/office/powerpoint/2010/main" val="1617708197"/>
+      </p:ext>
+    </p:extLst>
+  </p:cSld>
+  <p:clrMapOvr>
+    <a:masterClrMapping/>
+  </p:clrMapOvr>
+</p:sld>
+</file>
+
+<file path=ppt/slides/slide45.xml><?xml version="1.0" encoding="utf-8"?>
+<p:sld xmlns:a="http://schemas.openxmlformats.org/drawingml/2006/main" xmlns:r="http://schemas.openxmlformats.org/officeDocument/2006/relationships" xmlns:p="http://schemas.openxmlformats.org/presentationml/2006/main">
+  <p:cSld>
+    <p:spTree>
+      <p:nvGrpSpPr>
+        <p:cNvPr id="1" name=""/>
+        <p:cNvGrpSpPr/>
+        <p:nvPr/>
+      </p:nvGrpSpPr>
+      <p:grpSpPr>
+        <a:xfrm>
+          <a:off x="0" y="0"/>
+          <a:ext cx="0" cy="0"/>
+          <a:chOff x="0" y="0"/>
+          <a:chExt cx="0" cy="0"/>
+        </a:xfrm>
+      </p:grpSpPr>
+      <p:sp>
+        <p:nvSpPr>
           <p:cNvPr id="2" name="object 2"/>
           <p:cNvSpPr txBox="1">
             <a:spLocks noGrp="1"/>
@@ -31036,1602 +32445,6 @@
                 <a:cs typeface="Trebuchet MS"/>
               </a:rPr>
               <a:t>boundaries.</a:t>
-            </a:r>
-            <a:endParaRPr sz="2400">
-              <a:latin typeface="Trebuchet MS"/>
-              <a:cs typeface="Trebuchet MS"/>
-            </a:endParaRPr>
-          </a:p>
-        </p:txBody>
-      </p:sp>
-      <p:pic>
-        <p:nvPicPr>
-          <p:cNvPr id="8" name="object 8"/>
-          <p:cNvPicPr/>
-          <p:nvPr/>
-        </p:nvPicPr>
-        <p:blipFill>
-          <a:blip r:embed="rId2" cstate="print"/>
-          <a:stretch>
-            <a:fillRect/>
-          </a:stretch>
-        </p:blipFill>
-        <p:spPr>
-          <a:xfrm>
-            <a:off x="10459719" y="1232027"/>
-            <a:ext cx="1466596" cy="1466596"/>
-          </a:xfrm>
-          <a:prstGeom prst="rect">
-            <a:avLst/>
-          </a:prstGeom>
-        </p:spPr>
-      </p:pic>
-    </p:spTree>
-  </p:cSld>
-  <p:clrMapOvr>
-    <a:masterClrMapping/>
-  </p:clrMapOvr>
-</p:sld>
-</file>
-
-<file path=ppt/slides/slide44.xml><?xml version="1.0" encoding="utf-8"?>
-<p:sld xmlns:a="http://schemas.openxmlformats.org/drawingml/2006/main" xmlns:r="http://schemas.openxmlformats.org/officeDocument/2006/relationships" xmlns:p="http://schemas.openxmlformats.org/presentationml/2006/main">
-  <p:cSld>
-    <p:spTree>
-      <p:nvGrpSpPr>
-        <p:cNvPr id="1" name=""/>
-        <p:cNvGrpSpPr/>
-        <p:nvPr/>
-      </p:nvGrpSpPr>
-      <p:grpSpPr>
-        <a:xfrm>
-          <a:off x="0" y="0"/>
-          <a:ext cx="0" cy="0"/>
-          <a:chOff x="0" y="0"/>
-          <a:chExt cx="0" cy="0"/>
-        </a:xfrm>
-      </p:grpSpPr>
-      <p:sp>
-        <p:nvSpPr>
-          <p:cNvPr id="2" name="object 2"/>
-          <p:cNvSpPr txBox="1">
-            <a:spLocks noGrp="1"/>
-          </p:cNvSpPr>
-          <p:nvPr>
-            <p:ph type="title"/>
-          </p:nvPr>
-        </p:nvSpPr>
-        <p:spPr>
-          <a:xfrm>
-            <a:off x="1215034" y="322529"/>
-            <a:ext cx="9763125" cy="635000"/>
-          </a:xfrm>
-          <a:prstGeom prst="rect">
-            <a:avLst/>
-          </a:prstGeom>
-        </p:spPr>
-        <p:txBody>
-          <a:bodyPr vert="horz" wrap="square" lIns="0" tIns="12065" rIns="0" bIns="0" rtlCol="0">
-            <a:spAutoFit/>
-          </a:bodyPr>
-          <a:lstStyle/>
-          <a:p>
-            <a:pPr marL="12700">
-              <a:lnSpc>
-                <a:spcPct val="100000"/>
-              </a:lnSpc>
-              <a:spcBef>
-                <a:spcPts val="95"/>
-              </a:spcBef>
-            </a:pPr>
-            <a:r>
-              <a:rPr spc="-210" dirty="0"/>
-              <a:t>SAME</a:t>
-            </a:r>
-            <a:r>
-              <a:rPr spc="-70" dirty="0"/>
-              <a:t> </a:t>
-            </a:r>
-            <a:r>
-              <a:rPr spc="-190" dirty="0"/>
-              <a:t>PERIOD</a:t>
-            </a:r>
-            <a:r>
-              <a:rPr spc="-40" dirty="0"/>
-              <a:t> </a:t>
-            </a:r>
-            <a:r>
-              <a:rPr spc="-395" dirty="0"/>
-              <a:t>LAST</a:t>
-            </a:r>
-            <a:r>
-              <a:rPr spc="-5" dirty="0"/>
-              <a:t> </a:t>
-            </a:r>
-            <a:r>
-              <a:rPr spc="-335" dirty="0"/>
-              <a:t>YEAR</a:t>
-            </a:r>
-            <a:r>
-              <a:rPr spc="5" dirty="0"/>
-              <a:t> </a:t>
-            </a:r>
-            <a:r>
-              <a:rPr dirty="0"/>
-              <a:t>DAX</a:t>
-            </a:r>
-            <a:r>
-              <a:rPr spc="-35" dirty="0"/>
-              <a:t> </a:t>
-            </a:r>
-            <a:r>
-              <a:rPr spc="-95" dirty="0"/>
-              <a:t>FORMULA</a:t>
-            </a:r>
-          </a:p>
-        </p:txBody>
-      </p:sp>
-      <p:sp>
-        <p:nvSpPr>
-          <p:cNvPr id="4" name="object 4"/>
-          <p:cNvSpPr txBox="1"/>
-          <p:nvPr/>
-        </p:nvSpPr>
-        <p:spPr>
-          <a:xfrm>
-            <a:off x="1575308" y="2469642"/>
-            <a:ext cx="3027680" cy="269240"/>
-          </a:xfrm>
-          <a:prstGeom prst="rect">
-            <a:avLst/>
-          </a:prstGeom>
-        </p:spPr>
-        <p:txBody>
-          <a:bodyPr vert="horz" wrap="square" lIns="0" tIns="12065" rIns="0" bIns="0" rtlCol="0">
-            <a:spAutoFit/>
-          </a:bodyPr>
-          <a:lstStyle/>
-          <a:p>
-            <a:pPr marL="12700">
-              <a:lnSpc>
-                <a:spcPct val="100000"/>
-              </a:lnSpc>
-              <a:spcBef>
-                <a:spcPts val="95"/>
-              </a:spcBef>
-            </a:pPr>
-            <a:r>
-              <a:rPr sz="1600" b="1" spc="-10" dirty="0">
-                <a:latin typeface="Consolas"/>
-                <a:cs typeface="Consolas"/>
-              </a:rPr>
-              <a:t>SAMEPERIODLASTYEAR(&lt;dates&gt;)</a:t>
-            </a:r>
-            <a:endParaRPr sz="1600">
-              <a:latin typeface="Consolas"/>
-              <a:cs typeface="Consolas"/>
-            </a:endParaRPr>
-          </a:p>
-        </p:txBody>
-      </p:sp>
-      <p:sp>
-        <p:nvSpPr>
-          <p:cNvPr id="5" name="object 5"/>
-          <p:cNvSpPr txBox="1"/>
-          <p:nvPr/>
-        </p:nvSpPr>
-        <p:spPr>
-          <a:xfrm>
-            <a:off x="1575308" y="1502791"/>
-            <a:ext cx="1371600" cy="452120"/>
-          </a:xfrm>
-          <a:prstGeom prst="rect">
-            <a:avLst/>
-          </a:prstGeom>
-        </p:spPr>
-        <p:txBody>
-          <a:bodyPr vert="horz" wrap="square" lIns="0" tIns="12065" rIns="0" bIns="0" rtlCol="0">
-            <a:spAutoFit/>
-          </a:bodyPr>
-          <a:lstStyle/>
-          <a:p>
-            <a:pPr marL="12700">
-              <a:lnSpc>
-                <a:spcPct val="100000"/>
-              </a:lnSpc>
-              <a:spcBef>
-                <a:spcPts val="95"/>
-              </a:spcBef>
-            </a:pPr>
-            <a:r>
-              <a:rPr sz="2800" b="1" spc="-30" dirty="0">
-                <a:latin typeface="Trebuchet MS"/>
-                <a:cs typeface="Trebuchet MS"/>
-              </a:rPr>
-              <a:t>Formula</a:t>
-            </a:r>
-            <a:endParaRPr sz="2800">
-              <a:latin typeface="Trebuchet MS"/>
-              <a:cs typeface="Trebuchet MS"/>
-            </a:endParaRPr>
-          </a:p>
-        </p:txBody>
-      </p:sp>
-      <p:sp>
-        <p:nvSpPr>
-          <p:cNvPr id="6" name="object 6"/>
-          <p:cNvSpPr/>
-          <p:nvPr/>
-        </p:nvSpPr>
-        <p:spPr>
-          <a:xfrm>
-            <a:off x="1496313" y="3096895"/>
-            <a:ext cx="8829675" cy="0"/>
-          </a:xfrm>
-          <a:custGeom>
-            <a:avLst/>
-            <a:gdLst/>
-            <a:ahLst/>
-            <a:cxnLst/>
-            <a:rect l="l" t="t" r="r" b="b"/>
-            <a:pathLst>
-              <a:path w="8829675">
-                <a:moveTo>
-                  <a:pt x="0" y="0"/>
-                </a:moveTo>
-                <a:lnTo>
-                  <a:pt x="8829167" y="0"/>
-                </a:lnTo>
-              </a:path>
-            </a:pathLst>
-          </a:custGeom>
-          <a:ln w="19050">
-            <a:solidFill>
-              <a:srgbClr val="155F82"/>
-            </a:solidFill>
-            <a:prstDash val="sysDash"/>
-          </a:ln>
-        </p:spPr>
-        <p:txBody>
-          <a:bodyPr wrap="square" lIns="0" tIns="0" rIns="0" bIns="0" rtlCol="0"/>
-          <a:lstStyle/>
-          <a:p>
-            <a:endParaRPr/>
-          </a:p>
-        </p:txBody>
-      </p:sp>
-      <p:sp>
-        <p:nvSpPr>
-          <p:cNvPr id="7" name="object 7"/>
-          <p:cNvSpPr txBox="1"/>
-          <p:nvPr/>
-        </p:nvSpPr>
-        <p:spPr>
-          <a:xfrm>
-            <a:off x="1457071" y="3575761"/>
-            <a:ext cx="9584690" cy="1489075"/>
-          </a:xfrm>
-          <a:prstGeom prst="rect">
-            <a:avLst/>
-          </a:prstGeom>
-        </p:spPr>
-        <p:txBody>
-          <a:bodyPr vert="horz" wrap="square" lIns="0" tIns="12700" rIns="0" bIns="0" rtlCol="0">
-            <a:spAutoFit/>
-          </a:bodyPr>
-          <a:lstStyle/>
-          <a:p>
-            <a:pPr marL="12700" marR="5080">
-              <a:lnSpc>
-                <a:spcPct val="100000"/>
-              </a:lnSpc>
-              <a:spcBef>
-                <a:spcPts val="100"/>
-              </a:spcBef>
-            </a:pPr>
-            <a:r>
-              <a:rPr sz="2400" spc="-100" dirty="0">
-                <a:latin typeface="Trebuchet MS"/>
-                <a:cs typeface="Trebuchet MS"/>
-              </a:rPr>
-              <a:t>The</a:t>
-            </a:r>
-            <a:r>
-              <a:rPr sz="2400" spc="-145" dirty="0">
-                <a:latin typeface="Trebuchet MS"/>
-                <a:cs typeface="Trebuchet MS"/>
-              </a:rPr>
-              <a:t> </a:t>
-            </a:r>
-            <a:r>
-              <a:rPr sz="2400" dirty="0">
-                <a:latin typeface="Trebuchet MS"/>
-                <a:cs typeface="Trebuchet MS"/>
-              </a:rPr>
-              <a:t>SAMEPERIODLASTYEAR</a:t>
-            </a:r>
-            <a:r>
-              <a:rPr sz="2400" spc="-85" dirty="0">
-                <a:latin typeface="Trebuchet MS"/>
-                <a:cs typeface="Trebuchet MS"/>
-              </a:rPr>
-              <a:t> </a:t>
-            </a:r>
-            <a:r>
-              <a:rPr sz="2400" spc="-45" dirty="0">
-                <a:latin typeface="Trebuchet MS"/>
-                <a:cs typeface="Trebuchet MS"/>
-              </a:rPr>
-              <a:t>function</a:t>
-            </a:r>
-            <a:r>
-              <a:rPr sz="2400" spc="-140" dirty="0">
-                <a:latin typeface="Trebuchet MS"/>
-                <a:cs typeface="Trebuchet MS"/>
-              </a:rPr>
-              <a:t> </a:t>
-            </a:r>
-            <a:r>
-              <a:rPr sz="2400" spc="-70" dirty="0">
-                <a:latin typeface="Trebuchet MS"/>
-                <a:cs typeface="Trebuchet MS"/>
-              </a:rPr>
-              <a:t>in</a:t>
-            </a:r>
-            <a:r>
-              <a:rPr sz="2400" spc="-140" dirty="0">
-                <a:latin typeface="Trebuchet MS"/>
-                <a:cs typeface="Trebuchet MS"/>
-              </a:rPr>
-              <a:t> </a:t>
-            </a:r>
-            <a:r>
-              <a:rPr sz="2400" dirty="0">
-                <a:latin typeface="Trebuchet MS"/>
-                <a:cs typeface="Trebuchet MS"/>
-              </a:rPr>
-              <a:t>DAX</a:t>
-            </a:r>
-            <a:r>
-              <a:rPr sz="2400" spc="-125" dirty="0">
-                <a:latin typeface="Trebuchet MS"/>
-                <a:cs typeface="Trebuchet MS"/>
-              </a:rPr>
-              <a:t> </a:t>
-            </a:r>
-            <a:r>
-              <a:rPr sz="2400" dirty="0">
-                <a:latin typeface="Trebuchet MS"/>
-                <a:cs typeface="Trebuchet MS"/>
-              </a:rPr>
-              <a:t>is</a:t>
-            </a:r>
-            <a:r>
-              <a:rPr sz="2400" spc="-145" dirty="0">
-                <a:latin typeface="Trebuchet MS"/>
-                <a:cs typeface="Trebuchet MS"/>
-              </a:rPr>
-              <a:t> </a:t>
-            </a:r>
-            <a:r>
-              <a:rPr sz="2400" dirty="0">
-                <a:latin typeface="Trebuchet MS"/>
-                <a:cs typeface="Trebuchet MS"/>
-              </a:rPr>
-              <a:t>used</a:t>
-            </a:r>
-            <a:r>
-              <a:rPr sz="2400" spc="-130" dirty="0">
-                <a:latin typeface="Trebuchet MS"/>
-                <a:cs typeface="Trebuchet MS"/>
-              </a:rPr>
-              <a:t> </a:t>
-            </a:r>
-            <a:r>
-              <a:rPr sz="2400" spc="-90" dirty="0">
-                <a:latin typeface="Trebuchet MS"/>
-                <a:cs typeface="Trebuchet MS"/>
-              </a:rPr>
-              <a:t>to</a:t>
-            </a:r>
-            <a:r>
-              <a:rPr sz="2400" spc="-150" dirty="0">
-                <a:latin typeface="Trebuchet MS"/>
-                <a:cs typeface="Trebuchet MS"/>
-              </a:rPr>
-              <a:t> </a:t>
-            </a:r>
-            <a:r>
-              <a:rPr sz="2400" spc="-100" dirty="0">
-                <a:latin typeface="Trebuchet MS"/>
-                <a:cs typeface="Trebuchet MS"/>
-              </a:rPr>
-              <a:t>return</a:t>
-            </a:r>
-            <a:r>
-              <a:rPr sz="2400" spc="-150" dirty="0">
-                <a:latin typeface="Trebuchet MS"/>
-                <a:cs typeface="Trebuchet MS"/>
-              </a:rPr>
-              <a:t> </a:t>
-            </a:r>
-            <a:r>
-              <a:rPr sz="2400" dirty="0">
-                <a:latin typeface="Trebuchet MS"/>
-                <a:cs typeface="Trebuchet MS"/>
-              </a:rPr>
-              <a:t>a</a:t>
-            </a:r>
-            <a:r>
-              <a:rPr sz="2400" spc="-140" dirty="0">
-                <a:latin typeface="Trebuchet MS"/>
-                <a:cs typeface="Trebuchet MS"/>
-              </a:rPr>
-              <a:t> </a:t>
-            </a:r>
-            <a:r>
-              <a:rPr sz="2400" spc="-75" dirty="0">
-                <a:latin typeface="Trebuchet MS"/>
-                <a:cs typeface="Trebuchet MS"/>
-              </a:rPr>
-              <a:t>table</a:t>
-            </a:r>
-            <a:r>
-              <a:rPr sz="2400" spc="-125" dirty="0">
-                <a:latin typeface="Trebuchet MS"/>
-                <a:cs typeface="Trebuchet MS"/>
-              </a:rPr>
-              <a:t> </a:t>
-            </a:r>
-            <a:r>
-              <a:rPr sz="2400" spc="-20" dirty="0">
-                <a:latin typeface="Trebuchet MS"/>
-                <a:cs typeface="Trebuchet MS"/>
-              </a:rPr>
-              <a:t>with </a:t>
-            </a:r>
-            <a:r>
-              <a:rPr sz="2400" spc="-80" dirty="0">
-                <a:latin typeface="Trebuchet MS"/>
-                <a:cs typeface="Trebuchet MS"/>
-              </a:rPr>
-              <a:t>the</a:t>
-            </a:r>
-            <a:r>
-              <a:rPr sz="2400" spc="-195" dirty="0">
-                <a:latin typeface="Trebuchet MS"/>
-                <a:cs typeface="Trebuchet MS"/>
-              </a:rPr>
-              <a:t> </a:t>
-            </a:r>
-            <a:r>
-              <a:rPr sz="2400" spc="-25" dirty="0">
-                <a:latin typeface="Trebuchet MS"/>
-                <a:cs typeface="Trebuchet MS"/>
-              </a:rPr>
-              <a:t>dates</a:t>
-            </a:r>
-            <a:r>
-              <a:rPr sz="2400" spc="-195" dirty="0">
-                <a:latin typeface="Trebuchet MS"/>
-                <a:cs typeface="Trebuchet MS"/>
-              </a:rPr>
-              <a:t> </a:t>
-            </a:r>
-            <a:r>
-              <a:rPr sz="2400" spc="-114" dirty="0">
-                <a:latin typeface="Trebuchet MS"/>
-                <a:cs typeface="Trebuchet MS"/>
-              </a:rPr>
-              <a:t>for</a:t>
-            </a:r>
-            <a:r>
-              <a:rPr sz="2400" spc="-175" dirty="0">
-                <a:latin typeface="Trebuchet MS"/>
-                <a:cs typeface="Trebuchet MS"/>
-              </a:rPr>
-              <a:t> </a:t>
-            </a:r>
-            <a:r>
-              <a:rPr sz="2400" spc="-80" dirty="0">
-                <a:latin typeface="Trebuchet MS"/>
-                <a:cs typeface="Trebuchet MS"/>
-              </a:rPr>
-              <a:t>the</a:t>
-            </a:r>
-            <a:r>
-              <a:rPr sz="2400" spc="-195" dirty="0">
-                <a:latin typeface="Trebuchet MS"/>
-                <a:cs typeface="Trebuchet MS"/>
-              </a:rPr>
-              <a:t> </a:t>
-            </a:r>
-            <a:r>
-              <a:rPr sz="2400" dirty="0">
-                <a:latin typeface="Trebuchet MS"/>
-                <a:cs typeface="Trebuchet MS"/>
-              </a:rPr>
-              <a:t>same</a:t>
-            </a:r>
-            <a:r>
-              <a:rPr sz="2400" spc="-204" dirty="0">
-                <a:latin typeface="Trebuchet MS"/>
-                <a:cs typeface="Trebuchet MS"/>
-              </a:rPr>
-              <a:t> </a:t>
-            </a:r>
-            <a:r>
-              <a:rPr sz="2400" spc="-55" dirty="0">
-                <a:latin typeface="Trebuchet MS"/>
-                <a:cs typeface="Trebuchet MS"/>
-              </a:rPr>
-              <a:t>period</a:t>
-            </a:r>
-            <a:r>
-              <a:rPr sz="2400" spc="-180" dirty="0">
-                <a:latin typeface="Trebuchet MS"/>
-                <a:cs typeface="Trebuchet MS"/>
-              </a:rPr>
-              <a:t> </a:t>
-            </a:r>
-            <a:r>
-              <a:rPr sz="2400" spc="-70" dirty="0">
-                <a:latin typeface="Trebuchet MS"/>
-                <a:cs typeface="Trebuchet MS"/>
-              </a:rPr>
-              <a:t>in</a:t>
-            </a:r>
-            <a:r>
-              <a:rPr sz="2400" spc="-190" dirty="0">
-                <a:latin typeface="Trebuchet MS"/>
-                <a:cs typeface="Trebuchet MS"/>
-              </a:rPr>
-              <a:t> </a:t>
-            </a:r>
-            <a:r>
-              <a:rPr sz="2400" spc="-85" dirty="0">
-                <a:latin typeface="Trebuchet MS"/>
-                <a:cs typeface="Trebuchet MS"/>
-              </a:rPr>
-              <a:t>the</a:t>
-            </a:r>
-            <a:r>
-              <a:rPr sz="2400" spc="-200" dirty="0">
-                <a:latin typeface="Trebuchet MS"/>
-                <a:cs typeface="Trebuchet MS"/>
-              </a:rPr>
-              <a:t> </a:t>
-            </a:r>
-            <a:r>
-              <a:rPr sz="2400" spc="-35" dirty="0">
-                <a:latin typeface="Trebuchet MS"/>
-                <a:cs typeface="Trebuchet MS"/>
-              </a:rPr>
-              <a:t>previous</a:t>
-            </a:r>
-            <a:r>
-              <a:rPr sz="2400" spc="-195" dirty="0">
-                <a:latin typeface="Trebuchet MS"/>
-                <a:cs typeface="Trebuchet MS"/>
-              </a:rPr>
-              <a:t> </a:t>
-            </a:r>
-            <a:r>
-              <a:rPr sz="2400" spc="-155" dirty="0">
-                <a:latin typeface="Trebuchet MS"/>
-                <a:cs typeface="Trebuchet MS"/>
-              </a:rPr>
-              <a:t>year.</a:t>
-            </a:r>
-            <a:r>
-              <a:rPr sz="2400" spc="-175" dirty="0">
-                <a:latin typeface="Trebuchet MS"/>
-                <a:cs typeface="Trebuchet MS"/>
-              </a:rPr>
-              <a:t> </a:t>
-            </a:r>
-            <a:r>
-              <a:rPr sz="2400" spc="-50" dirty="0">
-                <a:latin typeface="Trebuchet MS"/>
-                <a:cs typeface="Trebuchet MS"/>
-              </a:rPr>
-              <a:t>This</a:t>
-            </a:r>
-            <a:r>
-              <a:rPr sz="2400" spc="-195" dirty="0">
-                <a:latin typeface="Trebuchet MS"/>
-                <a:cs typeface="Trebuchet MS"/>
-              </a:rPr>
-              <a:t> </a:t>
-            </a:r>
-            <a:r>
-              <a:rPr sz="2400" spc="-50" dirty="0">
-                <a:latin typeface="Trebuchet MS"/>
-                <a:cs typeface="Trebuchet MS"/>
-              </a:rPr>
-              <a:t>function</a:t>
-            </a:r>
-            <a:r>
-              <a:rPr sz="2400" spc="-195" dirty="0">
-                <a:latin typeface="Trebuchet MS"/>
-                <a:cs typeface="Trebuchet MS"/>
-              </a:rPr>
-              <a:t> </a:t>
-            </a:r>
-            <a:r>
-              <a:rPr sz="2400" dirty="0">
-                <a:latin typeface="Trebuchet MS"/>
-                <a:cs typeface="Trebuchet MS"/>
-              </a:rPr>
-              <a:t>is</a:t>
-            </a:r>
-            <a:r>
-              <a:rPr sz="2400" spc="-195" dirty="0">
-                <a:latin typeface="Trebuchet MS"/>
-                <a:cs typeface="Trebuchet MS"/>
-              </a:rPr>
-              <a:t> </a:t>
-            </a:r>
-            <a:r>
-              <a:rPr sz="2400" spc="-10" dirty="0">
-                <a:latin typeface="Trebuchet MS"/>
-                <a:cs typeface="Trebuchet MS"/>
-              </a:rPr>
-              <a:t>often </a:t>
-            </a:r>
-            <a:r>
-              <a:rPr sz="2400" dirty="0">
-                <a:latin typeface="Trebuchet MS"/>
-                <a:cs typeface="Trebuchet MS"/>
-              </a:rPr>
-              <a:t>used</a:t>
-            </a:r>
-            <a:r>
-              <a:rPr sz="2400" spc="-190" dirty="0">
-                <a:latin typeface="Trebuchet MS"/>
-                <a:cs typeface="Trebuchet MS"/>
-              </a:rPr>
-              <a:t> </a:t>
-            </a:r>
-            <a:r>
-              <a:rPr sz="2400" spc="-65" dirty="0">
-                <a:latin typeface="Trebuchet MS"/>
-                <a:cs typeface="Trebuchet MS"/>
-              </a:rPr>
-              <a:t>in</a:t>
-            </a:r>
-            <a:r>
-              <a:rPr sz="2400" spc="-185" dirty="0">
-                <a:latin typeface="Trebuchet MS"/>
-                <a:cs typeface="Trebuchet MS"/>
-              </a:rPr>
-              <a:t> </a:t>
-            </a:r>
-            <a:r>
-              <a:rPr sz="2400" spc="-85" dirty="0">
-                <a:latin typeface="Trebuchet MS"/>
-                <a:cs typeface="Trebuchet MS"/>
-              </a:rPr>
-              <a:t>time</a:t>
-            </a:r>
-            <a:r>
-              <a:rPr sz="2400" spc="-195" dirty="0">
-                <a:latin typeface="Trebuchet MS"/>
-                <a:cs typeface="Trebuchet MS"/>
-              </a:rPr>
-              <a:t> </a:t>
-            </a:r>
-            <a:r>
-              <a:rPr sz="2400" spc="-75" dirty="0">
-                <a:latin typeface="Trebuchet MS"/>
-                <a:cs typeface="Trebuchet MS"/>
-              </a:rPr>
-              <a:t>intelligence</a:t>
-            </a:r>
-            <a:r>
-              <a:rPr sz="2400" spc="-185" dirty="0">
-                <a:latin typeface="Trebuchet MS"/>
-                <a:cs typeface="Trebuchet MS"/>
-              </a:rPr>
-              <a:t> </a:t>
-            </a:r>
-            <a:r>
-              <a:rPr sz="2400" spc="-10" dirty="0">
-                <a:latin typeface="Trebuchet MS"/>
-                <a:cs typeface="Trebuchet MS"/>
-              </a:rPr>
-              <a:t>calculations</a:t>
-            </a:r>
-            <a:r>
-              <a:rPr sz="2400" spc="-165" dirty="0">
-                <a:latin typeface="Trebuchet MS"/>
-                <a:cs typeface="Trebuchet MS"/>
-              </a:rPr>
-              <a:t> </a:t>
-            </a:r>
-            <a:r>
-              <a:rPr sz="2400" spc="-85" dirty="0">
-                <a:latin typeface="Trebuchet MS"/>
-                <a:cs typeface="Trebuchet MS"/>
-              </a:rPr>
-              <a:t>to</a:t>
-            </a:r>
-            <a:r>
-              <a:rPr sz="2400" spc="-195" dirty="0">
-                <a:latin typeface="Trebuchet MS"/>
-                <a:cs typeface="Trebuchet MS"/>
-              </a:rPr>
-              <a:t> </a:t>
-            </a:r>
-            <a:r>
-              <a:rPr sz="2400" spc="-25" dirty="0">
-                <a:latin typeface="Trebuchet MS"/>
-                <a:cs typeface="Trebuchet MS"/>
-              </a:rPr>
-              <a:t>compare</a:t>
-            </a:r>
-            <a:r>
-              <a:rPr sz="2400" spc="-175" dirty="0">
-                <a:latin typeface="Trebuchet MS"/>
-                <a:cs typeface="Trebuchet MS"/>
-              </a:rPr>
-              <a:t> </a:t>
-            </a:r>
-            <a:r>
-              <a:rPr sz="2400" spc="-75" dirty="0">
-                <a:latin typeface="Trebuchet MS"/>
-                <a:cs typeface="Trebuchet MS"/>
-              </a:rPr>
-              <a:t>current</a:t>
-            </a:r>
-            <a:r>
-              <a:rPr sz="2400" spc="-185" dirty="0">
-                <a:latin typeface="Trebuchet MS"/>
-                <a:cs typeface="Trebuchet MS"/>
-              </a:rPr>
-              <a:t> </a:t>
-            </a:r>
-            <a:r>
-              <a:rPr sz="2400" spc="-45" dirty="0">
-                <a:latin typeface="Trebuchet MS"/>
-                <a:cs typeface="Trebuchet MS"/>
-              </a:rPr>
-              <a:t>performance</a:t>
-            </a:r>
-            <a:r>
-              <a:rPr sz="2400" spc="-160" dirty="0">
-                <a:latin typeface="Trebuchet MS"/>
-                <a:cs typeface="Trebuchet MS"/>
-              </a:rPr>
-              <a:t> </a:t>
-            </a:r>
-            <a:r>
-              <a:rPr sz="2400" spc="-25" dirty="0">
-                <a:latin typeface="Trebuchet MS"/>
-                <a:cs typeface="Trebuchet MS"/>
-              </a:rPr>
-              <a:t>to </a:t>
-            </a:r>
-            <a:r>
-              <a:rPr sz="2400" spc="-80" dirty="0">
-                <a:latin typeface="Trebuchet MS"/>
-                <a:cs typeface="Trebuchet MS"/>
-              </a:rPr>
-              <a:t>the</a:t>
-            </a:r>
-            <a:r>
-              <a:rPr sz="2400" spc="-195" dirty="0">
-                <a:latin typeface="Trebuchet MS"/>
-                <a:cs typeface="Trebuchet MS"/>
-              </a:rPr>
-              <a:t> </a:t>
-            </a:r>
-            <a:r>
-              <a:rPr sz="2400" spc="-35" dirty="0">
-                <a:latin typeface="Trebuchet MS"/>
-                <a:cs typeface="Trebuchet MS"/>
-              </a:rPr>
-              <a:t>previous</a:t>
-            </a:r>
-            <a:r>
-              <a:rPr sz="2400" spc="-195" dirty="0">
-                <a:latin typeface="Trebuchet MS"/>
-                <a:cs typeface="Trebuchet MS"/>
-              </a:rPr>
-              <a:t> </a:t>
-            </a:r>
-            <a:r>
-              <a:rPr sz="2400" spc="-20" dirty="0">
-                <a:latin typeface="Trebuchet MS"/>
-                <a:cs typeface="Trebuchet MS"/>
-              </a:rPr>
-              <a:t>year.</a:t>
-            </a:r>
-            <a:endParaRPr sz="2400">
-              <a:latin typeface="Trebuchet MS"/>
-              <a:cs typeface="Trebuchet MS"/>
-            </a:endParaRPr>
-          </a:p>
-        </p:txBody>
-      </p:sp>
-      <p:pic>
-        <p:nvPicPr>
-          <p:cNvPr id="8" name="object 8"/>
-          <p:cNvPicPr/>
-          <p:nvPr/>
-        </p:nvPicPr>
-        <p:blipFill>
-          <a:blip r:embed="rId2" cstate="print"/>
-          <a:stretch>
-            <a:fillRect/>
-          </a:stretch>
-        </p:blipFill>
-        <p:spPr>
-          <a:xfrm>
-            <a:off x="10459719" y="1232027"/>
-            <a:ext cx="1466596" cy="1466596"/>
-          </a:xfrm>
-          <a:prstGeom prst="rect">
-            <a:avLst/>
-          </a:prstGeom>
-        </p:spPr>
-      </p:pic>
-    </p:spTree>
-  </p:cSld>
-  <p:clrMapOvr>
-    <a:masterClrMapping/>
-  </p:clrMapOvr>
-</p:sld>
-</file>
-
-<file path=ppt/slides/slide45.xml><?xml version="1.0" encoding="utf-8"?>
-<p:sld xmlns:a="http://schemas.openxmlformats.org/drawingml/2006/main" xmlns:r="http://schemas.openxmlformats.org/officeDocument/2006/relationships" xmlns:p="http://schemas.openxmlformats.org/presentationml/2006/main">
-  <p:cSld>
-    <p:spTree>
-      <p:nvGrpSpPr>
-        <p:cNvPr id="1" name=""/>
-        <p:cNvGrpSpPr/>
-        <p:nvPr/>
-      </p:nvGrpSpPr>
-      <p:grpSpPr>
-        <a:xfrm>
-          <a:off x="0" y="0"/>
-          <a:ext cx="0" cy="0"/>
-          <a:chOff x="0" y="0"/>
-          <a:chExt cx="0" cy="0"/>
-        </a:xfrm>
-      </p:grpSpPr>
-      <p:sp>
-        <p:nvSpPr>
-          <p:cNvPr id="2" name="object 2"/>
-          <p:cNvSpPr txBox="1">
-            <a:spLocks noGrp="1"/>
-          </p:cNvSpPr>
-          <p:nvPr>
-            <p:ph type="title"/>
-          </p:nvPr>
-        </p:nvSpPr>
-        <p:spPr>
-          <a:xfrm>
-            <a:off x="2874645" y="322529"/>
-            <a:ext cx="6443345" cy="635000"/>
-          </a:xfrm>
-          <a:prstGeom prst="rect">
-            <a:avLst/>
-          </a:prstGeom>
-        </p:spPr>
-        <p:txBody>
-          <a:bodyPr vert="horz" wrap="square" lIns="0" tIns="12065" rIns="0" bIns="0" rtlCol="0">
-            <a:spAutoFit/>
-          </a:bodyPr>
-          <a:lstStyle/>
-          <a:p>
-            <a:pPr marL="12700">
-              <a:lnSpc>
-                <a:spcPct val="100000"/>
-              </a:lnSpc>
-              <a:spcBef>
-                <a:spcPts val="95"/>
-              </a:spcBef>
-            </a:pPr>
-            <a:r>
-              <a:rPr spc="-409" dirty="0"/>
-              <a:t>CALCULATE</a:t>
-            </a:r>
-            <a:r>
-              <a:rPr spc="15" dirty="0"/>
-              <a:t> </a:t>
-            </a:r>
-            <a:r>
-              <a:rPr dirty="0"/>
-              <a:t>DAX</a:t>
-            </a:r>
-            <a:r>
-              <a:rPr spc="-5" dirty="0"/>
-              <a:t> </a:t>
-            </a:r>
-            <a:r>
-              <a:rPr spc="-120" dirty="0"/>
-              <a:t>FORMULA</a:t>
-            </a:r>
-          </a:p>
-        </p:txBody>
-      </p:sp>
-      <p:sp>
-        <p:nvSpPr>
-          <p:cNvPr id="4" name="object 4"/>
-          <p:cNvSpPr txBox="1"/>
-          <p:nvPr/>
-        </p:nvSpPr>
-        <p:spPr>
-          <a:xfrm>
-            <a:off x="1575308" y="2469642"/>
-            <a:ext cx="3027680" cy="269240"/>
-          </a:xfrm>
-          <a:prstGeom prst="rect">
-            <a:avLst/>
-          </a:prstGeom>
-        </p:spPr>
-        <p:txBody>
-          <a:bodyPr vert="horz" wrap="square" lIns="0" tIns="12065" rIns="0" bIns="0" rtlCol="0">
-            <a:spAutoFit/>
-          </a:bodyPr>
-          <a:lstStyle/>
-          <a:p>
-            <a:pPr marL="12700">
-              <a:lnSpc>
-                <a:spcPct val="100000"/>
-              </a:lnSpc>
-              <a:spcBef>
-                <a:spcPts val="95"/>
-              </a:spcBef>
-            </a:pPr>
-            <a:r>
-              <a:rPr sz="1600" b="1" spc="-10" dirty="0">
-                <a:latin typeface="Consolas"/>
-                <a:cs typeface="Consolas"/>
-              </a:rPr>
-              <a:t>SAMEPERIODLASTYEAR(&lt;dates&gt;)</a:t>
-            </a:r>
-            <a:endParaRPr sz="1600">
-              <a:latin typeface="Consolas"/>
-              <a:cs typeface="Consolas"/>
-            </a:endParaRPr>
-          </a:p>
-        </p:txBody>
-      </p:sp>
-      <p:sp>
-        <p:nvSpPr>
-          <p:cNvPr id="5" name="object 5"/>
-          <p:cNvSpPr txBox="1"/>
-          <p:nvPr/>
-        </p:nvSpPr>
-        <p:spPr>
-          <a:xfrm>
-            <a:off x="1575308" y="1502791"/>
-            <a:ext cx="1371600" cy="452120"/>
-          </a:xfrm>
-          <a:prstGeom prst="rect">
-            <a:avLst/>
-          </a:prstGeom>
-        </p:spPr>
-        <p:txBody>
-          <a:bodyPr vert="horz" wrap="square" lIns="0" tIns="12065" rIns="0" bIns="0" rtlCol="0">
-            <a:spAutoFit/>
-          </a:bodyPr>
-          <a:lstStyle/>
-          <a:p>
-            <a:pPr marL="12700">
-              <a:lnSpc>
-                <a:spcPct val="100000"/>
-              </a:lnSpc>
-              <a:spcBef>
-                <a:spcPts val="95"/>
-              </a:spcBef>
-            </a:pPr>
-            <a:r>
-              <a:rPr sz="2800" b="1" spc="-30" dirty="0">
-                <a:latin typeface="Trebuchet MS"/>
-                <a:cs typeface="Trebuchet MS"/>
-              </a:rPr>
-              <a:t>Formula</a:t>
-            </a:r>
-            <a:endParaRPr sz="2800">
-              <a:latin typeface="Trebuchet MS"/>
-              <a:cs typeface="Trebuchet MS"/>
-            </a:endParaRPr>
-          </a:p>
-        </p:txBody>
-      </p:sp>
-      <p:sp>
-        <p:nvSpPr>
-          <p:cNvPr id="6" name="object 6"/>
-          <p:cNvSpPr/>
-          <p:nvPr/>
-        </p:nvSpPr>
-        <p:spPr>
-          <a:xfrm>
-            <a:off x="1496313" y="3096895"/>
-            <a:ext cx="8829675" cy="0"/>
-          </a:xfrm>
-          <a:custGeom>
-            <a:avLst/>
-            <a:gdLst/>
-            <a:ahLst/>
-            <a:cxnLst/>
-            <a:rect l="l" t="t" r="r" b="b"/>
-            <a:pathLst>
-              <a:path w="8829675">
-                <a:moveTo>
-                  <a:pt x="0" y="0"/>
-                </a:moveTo>
-                <a:lnTo>
-                  <a:pt x="8829167" y="0"/>
-                </a:lnTo>
-              </a:path>
-            </a:pathLst>
-          </a:custGeom>
-          <a:ln w="19050">
-            <a:solidFill>
-              <a:srgbClr val="155F82"/>
-            </a:solidFill>
-            <a:prstDash val="sysDash"/>
-          </a:ln>
-        </p:spPr>
-        <p:txBody>
-          <a:bodyPr wrap="square" lIns="0" tIns="0" rIns="0" bIns="0" rtlCol="0"/>
-          <a:lstStyle/>
-          <a:p>
-            <a:endParaRPr/>
-          </a:p>
-        </p:txBody>
-      </p:sp>
-      <p:sp>
-        <p:nvSpPr>
-          <p:cNvPr id="7" name="object 7"/>
-          <p:cNvSpPr txBox="1"/>
-          <p:nvPr/>
-        </p:nvSpPr>
-        <p:spPr>
-          <a:xfrm>
-            <a:off x="1457071" y="3575761"/>
-            <a:ext cx="9584690" cy="1489075"/>
-          </a:xfrm>
-          <a:prstGeom prst="rect">
-            <a:avLst/>
-          </a:prstGeom>
-        </p:spPr>
-        <p:txBody>
-          <a:bodyPr vert="horz" wrap="square" lIns="0" tIns="12700" rIns="0" bIns="0" rtlCol="0">
-            <a:spAutoFit/>
-          </a:bodyPr>
-          <a:lstStyle/>
-          <a:p>
-            <a:pPr marL="12700" marR="5080">
-              <a:lnSpc>
-                <a:spcPct val="100000"/>
-              </a:lnSpc>
-              <a:spcBef>
-                <a:spcPts val="100"/>
-              </a:spcBef>
-            </a:pPr>
-            <a:r>
-              <a:rPr sz="2400" spc="-100" dirty="0">
-                <a:latin typeface="Trebuchet MS"/>
-                <a:cs typeface="Trebuchet MS"/>
-              </a:rPr>
-              <a:t>The</a:t>
-            </a:r>
-            <a:r>
-              <a:rPr sz="2400" spc="-145" dirty="0">
-                <a:latin typeface="Trebuchet MS"/>
-                <a:cs typeface="Trebuchet MS"/>
-              </a:rPr>
-              <a:t> </a:t>
-            </a:r>
-            <a:r>
-              <a:rPr sz="2400" dirty="0">
-                <a:latin typeface="Trebuchet MS"/>
-                <a:cs typeface="Trebuchet MS"/>
-              </a:rPr>
-              <a:t>SAMEPERIODLASTYEAR</a:t>
-            </a:r>
-            <a:r>
-              <a:rPr sz="2400" spc="-85" dirty="0">
-                <a:latin typeface="Trebuchet MS"/>
-                <a:cs typeface="Trebuchet MS"/>
-              </a:rPr>
-              <a:t> </a:t>
-            </a:r>
-            <a:r>
-              <a:rPr sz="2400" spc="-45" dirty="0">
-                <a:latin typeface="Trebuchet MS"/>
-                <a:cs typeface="Trebuchet MS"/>
-              </a:rPr>
-              <a:t>function</a:t>
-            </a:r>
-            <a:r>
-              <a:rPr sz="2400" spc="-140" dirty="0">
-                <a:latin typeface="Trebuchet MS"/>
-                <a:cs typeface="Trebuchet MS"/>
-              </a:rPr>
-              <a:t> </a:t>
-            </a:r>
-            <a:r>
-              <a:rPr sz="2400" spc="-70" dirty="0">
-                <a:latin typeface="Trebuchet MS"/>
-                <a:cs typeface="Trebuchet MS"/>
-              </a:rPr>
-              <a:t>in</a:t>
-            </a:r>
-            <a:r>
-              <a:rPr sz="2400" spc="-140" dirty="0">
-                <a:latin typeface="Trebuchet MS"/>
-                <a:cs typeface="Trebuchet MS"/>
-              </a:rPr>
-              <a:t> </a:t>
-            </a:r>
-            <a:r>
-              <a:rPr sz="2400" dirty="0">
-                <a:latin typeface="Trebuchet MS"/>
-                <a:cs typeface="Trebuchet MS"/>
-              </a:rPr>
-              <a:t>DAX</a:t>
-            </a:r>
-            <a:r>
-              <a:rPr sz="2400" spc="-125" dirty="0">
-                <a:latin typeface="Trebuchet MS"/>
-                <a:cs typeface="Trebuchet MS"/>
-              </a:rPr>
-              <a:t> </a:t>
-            </a:r>
-            <a:r>
-              <a:rPr sz="2400" dirty="0">
-                <a:latin typeface="Trebuchet MS"/>
-                <a:cs typeface="Trebuchet MS"/>
-              </a:rPr>
-              <a:t>is</a:t>
-            </a:r>
-            <a:r>
-              <a:rPr sz="2400" spc="-145" dirty="0">
-                <a:latin typeface="Trebuchet MS"/>
-                <a:cs typeface="Trebuchet MS"/>
-              </a:rPr>
-              <a:t> </a:t>
-            </a:r>
-            <a:r>
-              <a:rPr sz="2400" dirty="0">
-                <a:latin typeface="Trebuchet MS"/>
-                <a:cs typeface="Trebuchet MS"/>
-              </a:rPr>
-              <a:t>used</a:t>
-            </a:r>
-            <a:r>
-              <a:rPr sz="2400" spc="-130" dirty="0">
-                <a:latin typeface="Trebuchet MS"/>
-                <a:cs typeface="Trebuchet MS"/>
-              </a:rPr>
-              <a:t> </a:t>
-            </a:r>
-            <a:r>
-              <a:rPr sz="2400" spc="-90" dirty="0">
-                <a:latin typeface="Trebuchet MS"/>
-                <a:cs typeface="Trebuchet MS"/>
-              </a:rPr>
-              <a:t>to</a:t>
-            </a:r>
-            <a:r>
-              <a:rPr sz="2400" spc="-150" dirty="0">
-                <a:latin typeface="Trebuchet MS"/>
-                <a:cs typeface="Trebuchet MS"/>
-              </a:rPr>
-              <a:t> </a:t>
-            </a:r>
-            <a:r>
-              <a:rPr sz="2400" spc="-100" dirty="0">
-                <a:latin typeface="Trebuchet MS"/>
-                <a:cs typeface="Trebuchet MS"/>
-              </a:rPr>
-              <a:t>return</a:t>
-            </a:r>
-            <a:r>
-              <a:rPr sz="2400" spc="-150" dirty="0">
-                <a:latin typeface="Trebuchet MS"/>
-                <a:cs typeface="Trebuchet MS"/>
-              </a:rPr>
-              <a:t> </a:t>
-            </a:r>
-            <a:r>
-              <a:rPr sz="2400" dirty="0">
-                <a:latin typeface="Trebuchet MS"/>
-                <a:cs typeface="Trebuchet MS"/>
-              </a:rPr>
-              <a:t>a</a:t>
-            </a:r>
-            <a:r>
-              <a:rPr sz="2400" spc="-140" dirty="0">
-                <a:latin typeface="Trebuchet MS"/>
-                <a:cs typeface="Trebuchet MS"/>
-              </a:rPr>
-              <a:t> </a:t>
-            </a:r>
-            <a:r>
-              <a:rPr sz="2400" spc="-75" dirty="0">
-                <a:latin typeface="Trebuchet MS"/>
-                <a:cs typeface="Trebuchet MS"/>
-              </a:rPr>
-              <a:t>table</a:t>
-            </a:r>
-            <a:r>
-              <a:rPr sz="2400" spc="-125" dirty="0">
-                <a:latin typeface="Trebuchet MS"/>
-                <a:cs typeface="Trebuchet MS"/>
-              </a:rPr>
-              <a:t> </a:t>
-            </a:r>
-            <a:r>
-              <a:rPr sz="2400" spc="-20" dirty="0">
-                <a:latin typeface="Trebuchet MS"/>
-                <a:cs typeface="Trebuchet MS"/>
-              </a:rPr>
-              <a:t>with </a:t>
-            </a:r>
-            <a:r>
-              <a:rPr sz="2400" spc="-80" dirty="0">
-                <a:latin typeface="Trebuchet MS"/>
-                <a:cs typeface="Trebuchet MS"/>
-              </a:rPr>
-              <a:t>the</a:t>
-            </a:r>
-            <a:r>
-              <a:rPr sz="2400" spc="-195" dirty="0">
-                <a:latin typeface="Trebuchet MS"/>
-                <a:cs typeface="Trebuchet MS"/>
-              </a:rPr>
-              <a:t> </a:t>
-            </a:r>
-            <a:r>
-              <a:rPr sz="2400" spc="-25" dirty="0">
-                <a:latin typeface="Trebuchet MS"/>
-                <a:cs typeface="Trebuchet MS"/>
-              </a:rPr>
-              <a:t>dates</a:t>
-            </a:r>
-            <a:r>
-              <a:rPr sz="2400" spc="-195" dirty="0">
-                <a:latin typeface="Trebuchet MS"/>
-                <a:cs typeface="Trebuchet MS"/>
-              </a:rPr>
-              <a:t> </a:t>
-            </a:r>
-            <a:r>
-              <a:rPr sz="2400" spc="-114" dirty="0">
-                <a:latin typeface="Trebuchet MS"/>
-                <a:cs typeface="Trebuchet MS"/>
-              </a:rPr>
-              <a:t>for</a:t>
-            </a:r>
-            <a:r>
-              <a:rPr sz="2400" spc="-175" dirty="0">
-                <a:latin typeface="Trebuchet MS"/>
-                <a:cs typeface="Trebuchet MS"/>
-              </a:rPr>
-              <a:t> </a:t>
-            </a:r>
-            <a:r>
-              <a:rPr sz="2400" spc="-80" dirty="0">
-                <a:latin typeface="Trebuchet MS"/>
-                <a:cs typeface="Trebuchet MS"/>
-              </a:rPr>
-              <a:t>the</a:t>
-            </a:r>
-            <a:r>
-              <a:rPr sz="2400" spc="-195" dirty="0">
-                <a:latin typeface="Trebuchet MS"/>
-                <a:cs typeface="Trebuchet MS"/>
-              </a:rPr>
-              <a:t> </a:t>
-            </a:r>
-            <a:r>
-              <a:rPr sz="2400" dirty="0">
-                <a:latin typeface="Trebuchet MS"/>
-                <a:cs typeface="Trebuchet MS"/>
-              </a:rPr>
-              <a:t>same</a:t>
-            </a:r>
-            <a:r>
-              <a:rPr sz="2400" spc="-204" dirty="0">
-                <a:latin typeface="Trebuchet MS"/>
-                <a:cs typeface="Trebuchet MS"/>
-              </a:rPr>
-              <a:t> </a:t>
-            </a:r>
-            <a:r>
-              <a:rPr sz="2400" spc="-55" dirty="0">
-                <a:latin typeface="Trebuchet MS"/>
-                <a:cs typeface="Trebuchet MS"/>
-              </a:rPr>
-              <a:t>period</a:t>
-            </a:r>
-            <a:r>
-              <a:rPr sz="2400" spc="-180" dirty="0">
-                <a:latin typeface="Trebuchet MS"/>
-                <a:cs typeface="Trebuchet MS"/>
-              </a:rPr>
-              <a:t> </a:t>
-            </a:r>
-            <a:r>
-              <a:rPr sz="2400" spc="-70" dirty="0">
-                <a:latin typeface="Trebuchet MS"/>
-                <a:cs typeface="Trebuchet MS"/>
-              </a:rPr>
-              <a:t>in</a:t>
-            </a:r>
-            <a:r>
-              <a:rPr sz="2400" spc="-190" dirty="0">
-                <a:latin typeface="Trebuchet MS"/>
-                <a:cs typeface="Trebuchet MS"/>
-              </a:rPr>
-              <a:t> </a:t>
-            </a:r>
-            <a:r>
-              <a:rPr sz="2400" spc="-85" dirty="0">
-                <a:latin typeface="Trebuchet MS"/>
-                <a:cs typeface="Trebuchet MS"/>
-              </a:rPr>
-              <a:t>the</a:t>
-            </a:r>
-            <a:r>
-              <a:rPr sz="2400" spc="-200" dirty="0">
-                <a:latin typeface="Trebuchet MS"/>
-                <a:cs typeface="Trebuchet MS"/>
-              </a:rPr>
-              <a:t> </a:t>
-            </a:r>
-            <a:r>
-              <a:rPr sz="2400" spc="-35" dirty="0">
-                <a:latin typeface="Trebuchet MS"/>
-                <a:cs typeface="Trebuchet MS"/>
-              </a:rPr>
-              <a:t>previous</a:t>
-            </a:r>
-            <a:r>
-              <a:rPr sz="2400" spc="-195" dirty="0">
-                <a:latin typeface="Trebuchet MS"/>
-                <a:cs typeface="Trebuchet MS"/>
-              </a:rPr>
-              <a:t> </a:t>
-            </a:r>
-            <a:r>
-              <a:rPr sz="2400" spc="-155" dirty="0">
-                <a:latin typeface="Trebuchet MS"/>
-                <a:cs typeface="Trebuchet MS"/>
-              </a:rPr>
-              <a:t>year.</a:t>
-            </a:r>
-            <a:r>
-              <a:rPr sz="2400" spc="-175" dirty="0">
-                <a:latin typeface="Trebuchet MS"/>
-                <a:cs typeface="Trebuchet MS"/>
-              </a:rPr>
-              <a:t> </a:t>
-            </a:r>
-            <a:r>
-              <a:rPr sz="2400" spc="-50" dirty="0">
-                <a:latin typeface="Trebuchet MS"/>
-                <a:cs typeface="Trebuchet MS"/>
-              </a:rPr>
-              <a:t>This</a:t>
-            </a:r>
-            <a:r>
-              <a:rPr sz="2400" spc="-195" dirty="0">
-                <a:latin typeface="Trebuchet MS"/>
-                <a:cs typeface="Trebuchet MS"/>
-              </a:rPr>
-              <a:t> </a:t>
-            </a:r>
-            <a:r>
-              <a:rPr sz="2400" spc="-50" dirty="0">
-                <a:latin typeface="Trebuchet MS"/>
-                <a:cs typeface="Trebuchet MS"/>
-              </a:rPr>
-              <a:t>function</a:t>
-            </a:r>
-            <a:r>
-              <a:rPr sz="2400" spc="-195" dirty="0">
-                <a:latin typeface="Trebuchet MS"/>
-                <a:cs typeface="Trebuchet MS"/>
-              </a:rPr>
-              <a:t> </a:t>
-            </a:r>
-            <a:r>
-              <a:rPr sz="2400" dirty="0">
-                <a:latin typeface="Trebuchet MS"/>
-                <a:cs typeface="Trebuchet MS"/>
-              </a:rPr>
-              <a:t>is</a:t>
-            </a:r>
-            <a:r>
-              <a:rPr sz="2400" spc="-195" dirty="0">
-                <a:latin typeface="Trebuchet MS"/>
-                <a:cs typeface="Trebuchet MS"/>
-              </a:rPr>
-              <a:t> </a:t>
-            </a:r>
-            <a:r>
-              <a:rPr sz="2400" spc="-10" dirty="0">
-                <a:latin typeface="Trebuchet MS"/>
-                <a:cs typeface="Trebuchet MS"/>
-              </a:rPr>
-              <a:t>often </a:t>
-            </a:r>
-            <a:r>
-              <a:rPr sz="2400" dirty="0">
-                <a:latin typeface="Trebuchet MS"/>
-                <a:cs typeface="Trebuchet MS"/>
-              </a:rPr>
-              <a:t>used</a:t>
-            </a:r>
-            <a:r>
-              <a:rPr sz="2400" spc="-190" dirty="0">
-                <a:latin typeface="Trebuchet MS"/>
-                <a:cs typeface="Trebuchet MS"/>
-              </a:rPr>
-              <a:t> </a:t>
-            </a:r>
-            <a:r>
-              <a:rPr sz="2400" spc="-65" dirty="0">
-                <a:latin typeface="Trebuchet MS"/>
-                <a:cs typeface="Trebuchet MS"/>
-              </a:rPr>
-              <a:t>in</a:t>
-            </a:r>
-            <a:r>
-              <a:rPr sz="2400" spc="-185" dirty="0">
-                <a:latin typeface="Trebuchet MS"/>
-                <a:cs typeface="Trebuchet MS"/>
-              </a:rPr>
-              <a:t> </a:t>
-            </a:r>
-            <a:r>
-              <a:rPr sz="2400" spc="-85" dirty="0">
-                <a:latin typeface="Trebuchet MS"/>
-                <a:cs typeface="Trebuchet MS"/>
-              </a:rPr>
-              <a:t>time</a:t>
-            </a:r>
-            <a:r>
-              <a:rPr sz="2400" spc="-195" dirty="0">
-                <a:latin typeface="Trebuchet MS"/>
-                <a:cs typeface="Trebuchet MS"/>
-              </a:rPr>
-              <a:t> </a:t>
-            </a:r>
-            <a:r>
-              <a:rPr sz="2400" spc="-75" dirty="0">
-                <a:latin typeface="Trebuchet MS"/>
-                <a:cs typeface="Trebuchet MS"/>
-              </a:rPr>
-              <a:t>intelligence</a:t>
-            </a:r>
-            <a:r>
-              <a:rPr sz="2400" spc="-185" dirty="0">
-                <a:latin typeface="Trebuchet MS"/>
-                <a:cs typeface="Trebuchet MS"/>
-              </a:rPr>
-              <a:t> </a:t>
-            </a:r>
-            <a:r>
-              <a:rPr sz="2400" spc="-10" dirty="0">
-                <a:latin typeface="Trebuchet MS"/>
-                <a:cs typeface="Trebuchet MS"/>
-              </a:rPr>
-              <a:t>calculations</a:t>
-            </a:r>
-            <a:r>
-              <a:rPr sz="2400" spc="-165" dirty="0">
-                <a:latin typeface="Trebuchet MS"/>
-                <a:cs typeface="Trebuchet MS"/>
-              </a:rPr>
-              <a:t> </a:t>
-            </a:r>
-            <a:r>
-              <a:rPr sz="2400" spc="-85" dirty="0">
-                <a:latin typeface="Trebuchet MS"/>
-                <a:cs typeface="Trebuchet MS"/>
-              </a:rPr>
-              <a:t>to</a:t>
-            </a:r>
-            <a:r>
-              <a:rPr sz="2400" spc="-195" dirty="0">
-                <a:latin typeface="Trebuchet MS"/>
-                <a:cs typeface="Trebuchet MS"/>
-              </a:rPr>
-              <a:t> </a:t>
-            </a:r>
-            <a:r>
-              <a:rPr sz="2400" spc="-25" dirty="0">
-                <a:latin typeface="Trebuchet MS"/>
-                <a:cs typeface="Trebuchet MS"/>
-              </a:rPr>
-              <a:t>compare</a:t>
-            </a:r>
-            <a:r>
-              <a:rPr sz="2400" spc="-175" dirty="0">
-                <a:latin typeface="Trebuchet MS"/>
-                <a:cs typeface="Trebuchet MS"/>
-              </a:rPr>
-              <a:t> </a:t>
-            </a:r>
-            <a:r>
-              <a:rPr sz="2400" spc="-75" dirty="0">
-                <a:latin typeface="Trebuchet MS"/>
-                <a:cs typeface="Trebuchet MS"/>
-              </a:rPr>
-              <a:t>current</a:t>
-            </a:r>
-            <a:r>
-              <a:rPr sz="2400" spc="-185" dirty="0">
-                <a:latin typeface="Trebuchet MS"/>
-                <a:cs typeface="Trebuchet MS"/>
-              </a:rPr>
-              <a:t> </a:t>
-            </a:r>
-            <a:r>
-              <a:rPr sz="2400" spc="-45" dirty="0">
-                <a:latin typeface="Trebuchet MS"/>
-                <a:cs typeface="Trebuchet MS"/>
-              </a:rPr>
-              <a:t>performance</a:t>
-            </a:r>
-            <a:r>
-              <a:rPr sz="2400" spc="-160" dirty="0">
-                <a:latin typeface="Trebuchet MS"/>
-                <a:cs typeface="Trebuchet MS"/>
-              </a:rPr>
-              <a:t> </a:t>
-            </a:r>
-            <a:r>
-              <a:rPr sz="2400" spc="-25" dirty="0">
-                <a:latin typeface="Trebuchet MS"/>
-                <a:cs typeface="Trebuchet MS"/>
-              </a:rPr>
-              <a:t>to </a:t>
-            </a:r>
-            <a:r>
-              <a:rPr sz="2400" spc="-80" dirty="0">
-                <a:latin typeface="Trebuchet MS"/>
-                <a:cs typeface="Trebuchet MS"/>
-              </a:rPr>
-              <a:t>the</a:t>
-            </a:r>
-            <a:r>
-              <a:rPr sz="2400" spc="-195" dirty="0">
-                <a:latin typeface="Trebuchet MS"/>
-                <a:cs typeface="Trebuchet MS"/>
-              </a:rPr>
-              <a:t> </a:t>
-            </a:r>
-            <a:r>
-              <a:rPr sz="2400" spc="-35" dirty="0">
-                <a:latin typeface="Trebuchet MS"/>
-                <a:cs typeface="Trebuchet MS"/>
-              </a:rPr>
-              <a:t>previous</a:t>
-            </a:r>
-            <a:r>
-              <a:rPr sz="2400" spc="-195" dirty="0">
-                <a:latin typeface="Trebuchet MS"/>
-                <a:cs typeface="Trebuchet MS"/>
-              </a:rPr>
-              <a:t> </a:t>
-            </a:r>
-            <a:r>
-              <a:rPr sz="2400" spc="-20" dirty="0">
-                <a:latin typeface="Trebuchet MS"/>
-                <a:cs typeface="Trebuchet MS"/>
-              </a:rPr>
-              <a:t>year.</a:t>
             </a:r>
             <a:endParaRPr sz="2400">
               <a:latin typeface="Trebuchet MS"/>
@@ -32698,6 +32511,1602 @@
           </p:nvPr>
         </p:nvSpPr>
         <p:spPr>
+          <a:xfrm>
+            <a:off x="1215034" y="322529"/>
+            <a:ext cx="9763125" cy="635000"/>
+          </a:xfrm>
+          <a:prstGeom prst="rect">
+            <a:avLst/>
+          </a:prstGeom>
+        </p:spPr>
+        <p:txBody>
+          <a:bodyPr vert="horz" wrap="square" lIns="0" tIns="12065" rIns="0" bIns="0" rtlCol="0">
+            <a:spAutoFit/>
+          </a:bodyPr>
+          <a:lstStyle/>
+          <a:p>
+            <a:pPr marL="12700">
+              <a:lnSpc>
+                <a:spcPct val="100000"/>
+              </a:lnSpc>
+              <a:spcBef>
+                <a:spcPts val="95"/>
+              </a:spcBef>
+            </a:pPr>
+            <a:r>
+              <a:rPr spc="-210" dirty="0"/>
+              <a:t>SAME</a:t>
+            </a:r>
+            <a:r>
+              <a:rPr spc="-70" dirty="0"/>
+              <a:t> </a:t>
+            </a:r>
+            <a:r>
+              <a:rPr spc="-190" dirty="0"/>
+              <a:t>PERIOD</a:t>
+            </a:r>
+            <a:r>
+              <a:rPr spc="-40" dirty="0"/>
+              <a:t> </a:t>
+            </a:r>
+            <a:r>
+              <a:rPr spc="-395" dirty="0"/>
+              <a:t>LAST</a:t>
+            </a:r>
+            <a:r>
+              <a:rPr spc="-5" dirty="0"/>
+              <a:t> </a:t>
+            </a:r>
+            <a:r>
+              <a:rPr spc="-335" dirty="0"/>
+              <a:t>YEAR</a:t>
+            </a:r>
+            <a:r>
+              <a:rPr spc="5" dirty="0"/>
+              <a:t> </a:t>
+            </a:r>
+            <a:r>
+              <a:rPr dirty="0"/>
+              <a:t>DAX</a:t>
+            </a:r>
+            <a:r>
+              <a:rPr spc="-35" dirty="0"/>
+              <a:t> </a:t>
+            </a:r>
+            <a:r>
+              <a:rPr spc="-95" dirty="0"/>
+              <a:t>FORMULA</a:t>
+            </a:r>
+          </a:p>
+        </p:txBody>
+      </p:sp>
+      <p:sp>
+        <p:nvSpPr>
+          <p:cNvPr id="4" name="object 4"/>
+          <p:cNvSpPr txBox="1"/>
+          <p:nvPr/>
+        </p:nvSpPr>
+        <p:spPr>
+          <a:xfrm>
+            <a:off x="1575308" y="2469642"/>
+            <a:ext cx="3027680" cy="269240"/>
+          </a:xfrm>
+          <a:prstGeom prst="rect">
+            <a:avLst/>
+          </a:prstGeom>
+        </p:spPr>
+        <p:txBody>
+          <a:bodyPr vert="horz" wrap="square" lIns="0" tIns="12065" rIns="0" bIns="0" rtlCol="0">
+            <a:spAutoFit/>
+          </a:bodyPr>
+          <a:lstStyle/>
+          <a:p>
+            <a:pPr marL="12700">
+              <a:lnSpc>
+                <a:spcPct val="100000"/>
+              </a:lnSpc>
+              <a:spcBef>
+                <a:spcPts val="95"/>
+              </a:spcBef>
+            </a:pPr>
+            <a:r>
+              <a:rPr sz="1600" b="1" spc="-10" dirty="0">
+                <a:latin typeface="Consolas"/>
+                <a:cs typeface="Consolas"/>
+              </a:rPr>
+              <a:t>SAMEPERIODLASTYEAR(&lt;dates&gt;)</a:t>
+            </a:r>
+            <a:endParaRPr sz="1600">
+              <a:latin typeface="Consolas"/>
+              <a:cs typeface="Consolas"/>
+            </a:endParaRPr>
+          </a:p>
+        </p:txBody>
+      </p:sp>
+      <p:sp>
+        <p:nvSpPr>
+          <p:cNvPr id="5" name="object 5"/>
+          <p:cNvSpPr txBox="1"/>
+          <p:nvPr/>
+        </p:nvSpPr>
+        <p:spPr>
+          <a:xfrm>
+            <a:off x="1575308" y="1502791"/>
+            <a:ext cx="1371600" cy="452120"/>
+          </a:xfrm>
+          <a:prstGeom prst="rect">
+            <a:avLst/>
+          </a:prstGeom>
+        </p:spPr>
+        <p:txBody>
+          <a:bodyPr vert="horz" wrap="square" lIns="0" tIns="12065" rIns="0" bIns="0" rtlCol="0">
+            <a:spAutoFit/>
+          </a:bodyPr>
+          <a:lstStyle/>
+          <a:p>
+            <a:pPr marL="12700">
+              <a:lnSpc>
+                <a:spcPct val="100000"/>
+              </a:lnSpc>
+              <a:spcBef>
+                <a:spcPts val="95"/>
+              </a:spcBef>
+            </a:pPr>
+            <a:r>
+              <a:rPr sz="2800" b="1" spc="-30" dirty="0">
+                <a:latin typeface="Trebuchet MS"/>
+                <a:cs typeface="Trebuchet MS"/>
+              </a:rPr>
+              <a:t>Formula</a:t>
+            </a:r>
+            <a:endParaRPr sz="2800">
+              <a:latin typeface="Trebuchet MS"/>
+              <a:cs typeface="Trebuchet MS"/>
+            </a:endParaRPr>
+          </a:p>
+        </p:txBody>
+      </p:sp>
+      <p:sp>
+        <p:nvSpPr>
+          <p:cNvPr id="6" name="object 6"/>
+          <p:cNvSpPr/>
+          <p:nvPr/>
+        </p:nvSpPr>
+        <p:spPr>
+          <a:xfrm>
+            <a:off x="1496313" y="3096895"/>
+            <a:ext cx="8829675" cy="0"/>
+          </a:xfrm>
+          <a:custGeom>
+            <a:avLst/>
+            <a:gdLst/>
+            <a:ahLst/>
+            <a:cxnLst/>
+            <a:rect l="l" t="t" r="r" b="b"/>
+            <a:pathLst>
+              <a:path w="8829675">
+                <a:moveTo>
+                  <a:pt x="0" y="0"/>
+                </a:moveTo>
+                <a:lnTo>
+                  <a:pt x="8829167" y="0"/>
+                </a:lnTo>
+              </a:path>
+            </a:pathLst>
+          </a:custGeom>
+          <a:ln w="19050">
+            <a:solidFill>
+              <a:srgbClr val="155F82"/>
+            </a:solidFill>
+            <a:prstDash val="sysDash"/>
+          </a:ln>
+        </p:spPr>
+        <p:txBody>
+          <a:bodyPr wrap="square" lIns="0" tIns="0" rIns="0" bIns="0" rtlCol="0"/>
+          <a:lstStyle/>
+          <a:p>
+            <a:endParaRPr/>
+          </a:p>
+        </p:txBody>
+      </p:sp>
+      <p:sp>
+        <p:nvSpPr>
+          <p:cNvPr id="7" name="object 7"/>
+          <p:cNvSpPr txBox="1"/>
+          <p:nvPr/>
+        </p:nvSpPr>
+        <p:spPr>
+          <a:xfrm>
+            <a:off x="1457071" y="3575761"/>
+            <a:ext cx="9584690" cy="1489075"/>
+          </a:xfrm>
+          <a:prstGeom prst="rect">
+            <a:avLst/>
+          </a:prstGeom>
+        </p:spPr>
+        <p:txBody>
+          <a:bodyPr vert="horz" wrap="square" lIns="0" tIns="12700" rIns="0" bIns="0" rtlCol="0">
+            <a:spAutoFit/>
+          </a:bodyPr>
+          <a:lstStyle/>
+          <a:p>
+            <a:pPr marL="12700" marR="5080">
+              <a:lnSpc>
+                <a:spcPct val="100000"/>
+              </a:lnSpc>
+              <a:spcBef>
+                <a:spcPts val="100"/>
+              </a:spcBef>
+            </a:pPr>
+            <a:r>
+              <a:rPr sz="2400" spc="-100" dirty="0">
+                <a:latin typeface="Trebuchet MS"/>
+                <a:cs typeface="Trebuchet MS"/>
+              </a:rPr>
+              <a:t>The</a:t>
+            </a:r>
+            <a:r>
+              <a:rPr sz="2400" spc="-145" dirty="0">
+                <a:latin typeface="Trebuchet MS"/>
+                <a:cs typeface="Trebuchet MS"/>
+              </a:rPr>
+              <a:t> </a:t>
+            </a:r>
+            <a:r>
+              <a:rPr sz="2400" dirty="0">
+                <a:latin typeface="Trebuchet MS"/>
+                <a:cs typeface="Trebuchet MS"/>
+              </a:rPr>
+              <a:t>SAMEPERIODLASTYEAR</a:t>
+            </a:r>
+            <a:r>
+              <a:rPr sz="2400" spc="-85" dirty="0">
+                <a:latin typeface="Trebuchet MS"/>
+                <a:cs typeface="Trebuchet MS"/>
+              </a:rPr>
+              <a:t> </a:t>
+            </a:r>
+            <a:r>
+              <a:rPr sz="2400" spc="-45" dirty="0">
+                <a:latin typeface="Trebuchet MS"/>
+                <a:cs typeface="Trebuchet MS"/>
+              </a:rPr>
+              <a:t>function</a:t>
+            </a:r>
+            <a:r>
+              <a:rPr sz="2400" spc="-140" dirty="0">
+                <a:latin typeface="Trebuchet MS"/>
+                <a:cs typeface="Trebuchet MS"/>
+              </a:rPr>
+              <a:t> </a:t>
+            </a:r>
+            <a:r>
+              <a:rPr sz="2400" spc="-70" dirty="0">
+                <a:latin typeface="Trebuchet MS"/>
+                <a:cs typeface="Trebuchet MS"/>
+              </a:rPr>
+              <a:t>in</a:t>
+            </a:r>
+            <a:r>
+              <a:rPr sz="2400" spc="-140" dirty="0">
+                <a:latin typeface="Trebuchet MS"/>
+                <a:cs typeface="Trebuchet MS"/>
+              </a:rPr>
+              <a:t> </a:t>
+            </a:r>
+            <a:r>
+              <a:rPr sz="2400" dirty="0">
+                <a:latin typeface="Trebuchet MS"/>
+                <a:cs typeface="Trebuchet MS"/>
+              </a:rPr>
+              <a:t>DAX</a:t>
+            </a:r>
+            <a:r>
+              <a:rPr sz="2400" spc="-125" dirty="0">
+                <a:latin typeface="Trebuchet MS"/>
+                <a:cs typeface="Trebuchet MS"/>
+              </a:rPr>
+              <a:t> </a:t>
+            </a:r>
+            <a:r>
+              <a:rPr sz="2400" dirty="0">
+                <a:latin typeface="Trebuchet MS"/>
+                <a:cs typeface="Trebuchet MS"/>
+              </a:rPr>
+              <a:t>is</a:t>
+            </a:r>
+            <a:r>
+              <a:rPr sz="2400" spc="-145" dirty="0">
+                <a:latin typeface="Trebuchet MS"/>
+                <a:cs typeface="Trebuchet MS"/>
+              </a:rPr>
+              <a:t> </a:t>
+            </a:r>
+            <a:r>
+              <a:rPr sz="2400" dirty="0">
+                <a:latin typeface="Trebuchet MS"/>
+                <a:cs typeface="Trebuchet MS"/>
+              </a:rPr>
+              <a:t>used</a:t>
+            </a:r>
+            <a:r>
+              <a:rPr sz="2400" spc="-130" dirty="0">
+                <a:latin typeface="Trebuchet MS"/>
+                <a:cs typeface="Trebuchet MS"/>
+              </a:rPr>
+              <a:t> </a:t>
+            </a:r>
+            <a:r>
+              <a:rPr sz="2400" spc="-90" dirty="0">
+                <a:latin typeface="Trebuchet MS"/>
+                <a:cs typeface="Trebuchet MS"/>
+              </a:rPr>
+              <a:t>to</a:t>
+            </a:r>
+            <a:r>
+              <a:rPr sz="2400" spc="-150" dirty="0">
+                <a:latin typeface="Trebuchet MS"/>
+                <a:cs typeface="Trebuchet MS"/>
+              </a:rPr>
+              <a:t> </a:t>
+            </a:r>
+            <a:r>
+              <a:rPr sz="2400" spc="-100" dirty="0">
+                <a:latin typeface="Trebuchet MS"/>
+                <a:cs typeface="Trebuchet MS"/>
+              </a:rPr>
+              <a:t>return</a:t>
+            </a:r>
+            <a:r>
+              <a:rPr sz="2400" spc="-150" dirty="0">
+                <a:latin typeface="Trebuchet MS"/>
+                <a:cs typeface="Trebuchet MS"/>
+              </a:rPr>
+              <a:t> </a:t>
+            </a:r>
+            <a:r>
+              <a:rPr sz="2400" dirty="0">
+                <a:latin typeface="Trebuchet MS"/>
+                <a:cs typeface="Trebuchet MS"/>
+              </a:rPr>
+              <a:t>a</a:t>
+            </a:r>
+            <a:r>
+              <a:rPr sz="2400" spc="-140" dirty="0">
+                <a:latin typeface="Trebuchet MS"/>
+                <a:cs typeface="Trebuchet MS"/>
+              </a:rPr>
+              <a:t> </a:t>
+            </a:r>
+            <a:r>
+              <a:rPr sz="2400" spc="-75" dirty="0">
+                <a:latin typeface="Trebuchet MS"/>
+                <a:cs typeface="Trebuchet MS"/>
+              </a:rPr>
+              <a:t>table</a:t>
+            </a:r>
+            <a:r>
+              <a:rPr sz="2400" spc="-125" dirty="0">
+                <a:latin typeface="Trebuchet MS"/>
+                <a:cs typeface="Trebuchet MS"/>
+              </a:rPr>
+              <a:t> </a:t>
+            </a:r>
+            <a:r>
+              <a:rPr sz="2400" spc="-20" dirty="0">
+                <a:latin typeface="Trebuchet MS"/>
+                <a:cs typeface="Trebuchet MS"/>
+              </a:rPr>
+              <a:t>with </a:t>
+            </a:r>
+            <a:r>
+              <a:rPr sz="2400" spc="-80" dirty="0">
+                <a:latin typeface="Trebuchet MS"/>
+                <a:cs typeface="Trebuchet MS"/>
+              </a:rPr>
+              <a:t>the</a:t>
+            </a:r>
+            <a:r>
+              <a:rPr sz="2400" spc="-195" dirty="0">
+                <a:latin typeface="Trebuchet MS"/>
+                <a:cs typeface="Trebuchet MS"/>
+              </a:rPr>
+              <a:t> </a:t>
+            </a:r>
+            <a:r>
+              <a:rPr sz="2400" spc="-25" dirty="0">
+                <a:latin typeface="Trebuchet MS"/>
+                <a:cs typeface="Trebuchet MS"/>
+              </a:rPr>
+              <a:t>dates</a:t>
+            </a:r>
+            <a:r>
+              <a:rPr sz="2400" spc="-195" dirty="0">
+                <a:latin typeface="Trebuchet MS"/>
+                <a:cs typeface="Trebuchet MS"/>
+              </a:rPr>
+              <a:t> </a:t>
+            </a:r>
+            <a:r>
+              <a:rPr sz="2400" spc="-114" dirty="0">
+                <a:latin typeface="Trebuchet MS"/>
+                <a:cs typeface="Trebuchet MS"/>
+              </a:rPr>
+              <a:t>for</a:t>
+            </a:r>
+            <a:r>
+              <a:rPr sz="2400" spc="-175" dirty="0">
+                <a:latin typeface="Trebuchet MS"/>
+                <a:cs typeface="Trebuchet MS"/>
+              </a:rPr>
+              <a:t> </a:t>
+            </a:r>
+            <a:r>
+              <a:rPr sz="2400" spc="-80" dirty="0">
+                <a:latin typeface="Trebuchet MS"/>
+                <a:cs typeface="Trebuchet MS"/>
+              </a:rPr>
+              <a:t>the</a:t>
+            </a:r>
+            <a:r>
+              <a:rPr sz="2400" spc="-195" dirty="0">
+                <a:latin typeface="Trebuchet MS"/>
+                <a:cs typeface="Trebuchet MS"/>
+              </a:rPr>
+              <a:t> </a:t>
+            </a:r>
+            <a:r>
+              <a:rPr sz="2400" dirty="0">
+                <a:latin typeface="Trebuchet MS"/>
+                <a:cs typeface="Trebuchet MS"/>
+              </a:rPr>
+              <a:t>same</a:t>
+            </a:r>
+            <a:r>
+              <a:rPr sz="2400" spc="-204" dirty="0">
+                <a:latin typeface="Trebuchet MS"/>
+                <a:cs typeface="Trebuchet MS"/>
+              </a:rPr>
+              <a:t> </a:t>
+            </a:r>
+            <a:r>
+              <a:rPr sz="2400" spc="-55" dirty="0">
+                <a:latin typeface="Trebuchet MS"/>
+                <a:cs typeface="Trebuchet MS"/>
+              </a:rPr>
+              <a:t>period</a:t>
+            </a:r>
+            <a:r>
+              <a:rPr sz="2400" spc="-180" dirty="0">
+                <a:latin typeface="Trebuchet MS"/>
+                <a:cs typeface="Trebuchet MS"/>
+              </a:rPr>
+              <a:t> </a:t>
+            </a:r>
+            <a:r>
+              <a:rPr sz="2400" spc="-70" dirty="0">
+                <a:latin typeface="Trebuchet MS"/>
+                <a:cs typeface="Trebuchet MS"/>
+              </a:rPr>
+              <a:t>in</a:t>
+            </a:r>
+            <a:r>
+              <a:rPr sz="2400" spc="-190" dirty="0">
+                <a:latin typeface="Trebuchet MS"/>
+                <a:cs typeface="Trebuchet MS"/>
+              </a:rPr>
+              <a:t> </a:t>
+            </a:r>
+            <a:r>
+              <a:rPr sz="2400" spc="-85" dirty="0">
+                <a:latin typeface="Trebuchet MS"/>
+                <a:cs typeface="Trebuchet MS"/>
+              </a:rPr>
+              <a:t>the</a:t>
+            </a:r>
+            <a:r>
+              <a:rPr sz="2400" spc="-200" dirty="0">
+                <a:latin typeface="Trebuchet MS"/>
+                <a:cs typeface="Trebuchet MS"/>
+              </a:rPr>
+              <a:t> </a:t>
+            </a:r>
+            <a:r>
+              <a:rPr sz="2400" spc="-35" dirty="0">
+                <a:latin typeface="Trebuchet MS"/>
+                <a:cs typeface="Trebuchet MS"/>
+              </a:rPr>
+              <a:t>previous</a:t>
+            </a:r>
+            <a:r>
+              <a:rPr sz="2400" spc="-195" dirty="0">
+                <a:latin typeface="Trebuchet MS"/>
+                <a:cs typeface="Trebuchet MS"/>
+              </a:rPr>
+              <a:t> </a:t>
+            </a:r>
+            <a:r>
+              <a:rPr sz="2400" spc="-155" dirty="0">
+                <a:latin typeface="Trebuchet MS"/>
+                <a:cs typeface="Trebuchet MS"/>
+              </a:rPr>
+              <a:t>year.</a:t>
+            </a:r>
+            <a:r>
+              <a:rPr sz="2400" spc="-175" dirty="0">
+                <a:latin typeface="Trebuchet MS"/>
+                <a:cs typeface="Trebuchet MS"/>
+              </a:rPr>
+              <a:t> </a:t>
+            </a:r>
+            <a:r>
+              <a:rPr sz="2400" spc="-50" dirty="0">
+                <a:latin typeface="Trebuchet MS"/>
+                <a:cs typeface="Trebuchet MS"/>
+              </a:rPr>
+              <a:t>This</a:t>
+            </a:r>
+            <a:r>
+              <a:rPr sz="2400" spc="-195" dirty="0">
+                <a:latin typeface="Trebuchet MS"/>
+                <a:cs typeface="Trebuchet MS"/>
+              </a:rPr>
+              <a:t> </a:t>
+            </a:r>
+            <a:r>
+              <a:rPr sz="2400" spc="-50" dirty="0">
+                <a:latin typeface="Trebuchet MS"/>
+                <a:cs typeface="Trebuchet MS"/>
+              </a:rPr>
+              <a:t>function</a:t>
+            </a:r>
+            <a:r>
+              <a:rPr sz="2400" spc="-195" dirty="0">
+                <a:latin typeface="Trebuchet MS"/>
+                <a:cs typeface="Trebuchet MS"/>
+              </a:rPr>
+              <a:t> </a:t>
+            </a:r>
+            <a:r>
+              <a:rPr sz="2400" dirty="0">
+                <a:latin typeface="Trebuchet MS"/>
+                <a:cs typeface="Trebuchet MS"/>
+              </a:rPr>
+              <a:t>is</a:t>
+            </a:r>
+            <a:r>
+              <a:rPr sz="2400" spc="-195" dirty="0">
+                <a:latin typeface="Trebuchet MS"/>
+                <a:cs typeface="Trebuchet MS"/>
+              </a:rPr>
+              <a:t> </a:t>
+            </a:r>
+            <a:r>
+              <a:rPr sz="2400" spc="-10" dirty="0">
+                <a:latin typeface="Trebuchet MS"/>
+                <a:cs typeface="Trebuchet MS"/>
+              </a:rPr>
+              <a:t>often </a:t>
+            </a:r>
+            <a:r>
+              <a:rPr sz="2400" dirty="0">
+                <a:latin typeface="Trebuchet MS"/>
+                <a:cs typeface="Trebuchet MS"/>
+              </a:rPr>
+              <a:t>used</a:t>
+            </a:r>
+            <a:r>
+              <a:rPr sz="2400" spc="-190" dirty="0">
+                <a:latin typeface="Trebuchet MS"/>
+                <a:cs typeface="Trebuchet MS"/>
+              </a:rPr>
+              <a:t> </a:t>
+            </a:r>
+            <a:r>
+              <a:rPr sz="2400" spc="-65" dirty="0">
+                <a:latin typeface="Trebuchet MS"/>
+                <a:cs typeface="Trebuchet MS"/>
+              </a:rPr>
+              <a:t>in</a:t>
+            </a:r>
+            <a:r>
+              <a:rPr sz="2400" spc="-185" dirty="0">
+                <a:latin typeface="Trebuchet MS"/>
+                <a:cs typeface="Trebuchet MS"/>
+              </a:rPr>
+              <a:t> </a:t>
+            </a:r>
+            <a:r>
+              <a:rPr sz="2400" spc="-85" dirty="0">
+                <a:latin typeface="Trebuchet MS"/>
+                <a:cs typeface="Trebuchet MS"/>
+              </a:rPr>
+              <a:t>time</a:t>
+            </a:r>
+            <a:r>
+              <a:rPr sz="2400" spc="-195" dirty="0">
+                <a:latin typeface="Trebuchet MS"/>
+                <a:cs typeface="Trebuchet MS"/>
+              </a:rPr>
+              <a:t> </a:t>
+            </a:r>
+            <a:r>
+              <a:rPr sz="2400" spc="-75" dirty="0">
+                <a:latin typeface="Trebuchet MS"/>
+                <a:cs typeface="Trebuchet MS"/>
+              </a:rPr>
+              <a:t>intelligence</a:t>
+            </a:r>
+            <a:r>
+              <a:rPr sz="2400" spc="-185" dirty="0">
+                <a:latin typeface="Trebuchet MS"/>
+                <a:cs typeface="Trebuchet MS"/>
+              </a:rPr>
+              <a:t> </a:t>
+            </a:r>
+            <a:r>
+              <a:rPr sz="2400" spc="-10" dirty="0">
+                <a:latin typeface="Trebuchet MS"/>
+                <a:cs typeface="Trebuchet MS"/>
+              </a:rPr>
+              <a:t>calculations</a:t>
+            </a:r>
+            <a:r>
+              <a:rPr sz="2400" spc="-165" dirty="0">
+                <a:latin typeface="Trebuchet MS"/>
+                <a:cs typeface="Trebuchet MS"/>
+              </a:rPr>
+              <a:t> </a:t>
+            </a:r>
+            <a:r>
+              <a:rPr sz="2400" spc="-85" dirty="0">
+                <a:latin typeface="Trebuchet MS"/>
+                <a:cs typeface="Trebuchet MS"/>
+              </a:rPr>
+              <a:t>to</a:t>
+            </a:r>
+            <a:r>
+              <a:rPr sz="2400" spc="-195" dirty="0">
+                <a:latin typeface="Trebuchet MS"/>
+                <a:cs typeface="Trebuchet MS"/>
+              </a:rPr>
+              <a:t> </a:t>
+            </a:r>
+            <a:r>
+              <a:rPr sz="2400" spc="-25" dirty="0">
+                <a:latin typeface="Trebuchet MS"/>
+                <a:cs typeface="Trebuchet MS"/>
+              </a:rPr>
+              <a:t>compare</a:t>
+            </a:r>
+            <a:r>
+              <a:rPr sz="2400" spc="-175" dirty="0">
+                <a:latin typeface="Trebuchet MS"/>
+                <a:cs typeface="Trebuchet MS"/>
+              </a:rPr>
+              <a:t> </a:t>
+            </a:r>
+            <a:r>
+              <a:rPr sz="2400" spc="-75" dirty="0">
+                <a:latin typeface="Trebuchet MS"/>
+                <a:cs typeface="Trebuchet MS"/>
+              </a:rPr>
+              <a:t>current</a:t>
+            </a:r>
+            <a:r>
+              <a:rPr sz="2400" spc="-185" dirty="0">
+                <a:latin typeface="Trebuchet MS"/>
+                <a:cs typeface="Trebuchet MS"/>
+              </a:rPr>
+              <a:t> </a:t>
+            </a:r>
+            <a:r>
+              <a:rPr sz="2400" spc="-45" dirty="0">
+                <a:latin typeface="Trebuchet MS"/>
+                <a:cs typeface="Trebuchet MS"/>
+              </a:rPr>
+              <a:t>performance</a:t>
+            </a:r>
+            <a:r>
+              <a:rPr sz="2400" spc="-160" dirty="0">
+                <a:latin typeface="Trebuchet MS"/>
+                <a:cs typeface="Trebuchet MS"/>
+              </a:rPr>
+              <a:t> </a:t>
+            </a:r>
+            <a:r>
+              <a:rPr sz="2400" spc="-25" dirty="0">
+                <a:latin typeface="Trebuchet MS"/>
+                <a:cs typeface="Trebuchet MS"/>
+              </a:rPr>
+              <a:t>to </a:t>
+            </a:r>
+            <a:r>
+              <a:rPr sz="2400" spc="-80" dirty="0">
+                <a:latin typeface="Trebuchet MS"/>
+                <a:cs typeface="Trebuchet MS"/>
+              </a:rPr>
+              <a:t>the</a:t>
+            </a:r>
+            <a:r>
+              <a:rPr sz="2400" spc="-195" dirty="0">
+                <a:latin typeface="Trebuchet MS"/>
+                <a:cs typeface="Trebuchet MS"/>
+              </a:rPr>
+              <a:t> </a:t>
+            </a:r>
+            <a:r>
+              <a:rPr sz="2400" spc="-35" dirty="0">
+                <a:latin typeface="Trebuchet MS"/>
+                <a:cs typeface="Trebuchet MS"/>
+              </a:rPr>
+              <a:t>previous</a:t>
+            </a:r>
+            <a:r>
+              <a:rPr sz="2400" spc="-195" dirty="0">
+                <a:latin typeface="Trebuchet MS"/>
+                <a:cs typeface="Trebuchet MS"/>
+              </a:rPr>
+              <a:t> </a:t>
+            </a:r>
+            <a:r>
+              <a:rPr sz="2400" spc="-20" dirty="0">
+                <a:latin typeface="Trebuchet MS"/>
+                <a:cs typeface="Trebuchet MS"/>
+              </a:rPr>
+              <a:t>year.</a:t>
+            </a:r>
+            <a:endParaRPr sz="2400">
+              <a:latin typeface="Trebuchet MS"/>
+              <a:cs typeface="Trebuchet MS"/>
+            </a:endParaRPr>
+          </a:p>
+        </p:txBody>
+      </p:sp>
+      <p:pic>
+        <p:nvPicPr>
+          <p:cNvPr id="8" name="object 8"/>
+          <p:cNvPicPr/>
+          <p:nvPr/>
+        </p:nvPicPr>
+        <p:blipFill>
+          <a:blip r:embed="rId2" cstate="print"/>
+          <a:stretch>
+            <a:fillRect/>
+          </a:stretch>
+        </p:blipFill>
+        <p:spPr>
+          <a:xfrm>
+            <a:off x="10459719" y="1232027"/>
+            <a:ext cx="1466596" cy="1466596"/>
+          </a:xfrm>
+          <a:prstGeom prst="rect">
+            <a:avLst/>
+          </a:prstGeom>
+        </p:spPr>
+      </p:pic>
+    </p:spTree>
+  </p:cSld>
+  <p:clrMapOvr>
+    <a:masterClrMapping/>
+  </p:clrMapOvr>
+</p:sld>
+</file>
+
+<file path=ppt/slides/slide47.xml><?xml version="1.0" encoding="utf-8"?>
+<p:sld xmlns:a="http://schemas.openxmlformats.org/drawingml/2006/main" xmlns:r="http://schemas.openxmlformats.org/officeDocument/2006/relationships" xmlns:p="http://schemas.openxmlformats.org/presentationml/2006/main">
+  <p:cSld>
+    <p:spTree>
+      <p:nvGrpSpPr>
+        <p:cNvPr id="1" name=""/>
+        <p:cNvGrpSpPr/>
+        <p:nvPr/>
+      </p:nvGrpSpPr>
+      <p:grpSpPr>
+        <a:xfrm>
+          <a:off x="0" y="0"/>
+          <a:ext cx="0" cy="0"/>
+          <a:chOff x="0" y="0"/>
+          <a:chExt cx="0" cy="0"/>
+        </a:xfrm>
+      </p:grpSpPr>
+      <p:sp>
+        <p:nvSpPr>
+          <p:cNvPr id="2" name="object 2"/>
+          <p:cNvSpPr txBox="1">
+            <a:spLocks noGrp="1"/>
+          </p:cNvSpPr>
+          <p:nvPr>
+            <p:ph type="title"/>
+          </p:nvPr>
+        </p:nvSpPr>
+        <p:spPr>
+          <a:xfrm>
+            <a:off x="2874645" y="322529"/>
+            <a:ext cx="6443345" cy="635000"/>
+          </a:xfrm>
+          <a:prstGeom prst="rect">
+            <a:avLst/>
+          </a:prstGeom>
+        </p:spPr>
+        <p:txBody>
+          <a:bodyPr vert="horz" wrap="square" lIns="0" tIns="12065" rIns="0" bIns="0" rtlCol="0">
+            <a:spAutoFit/>
+          </a:bodyPr>
+          <a:lstStyle/>
+          <a:p>
+            <a:pPr marL="12700">
+              <a:lnSpc>
+                <a:spcPct val="100000"/>
+              </a:lnSpc>
+              <a:spcBef>
+                <a:spcPts val="95"/>
+              </a:spcBef>
+            </a:pPr>
+            <a:r>
+              <a:rPr spc="-409" dirty="0"/>
+              <a:t>CALCULATE</a:t>
+            </a:r>
+            <a:r>
+              <a:rPr spc="15" dirty="0"/>
+              <a:t> </a:t>
+            </a:r>
+            <a:r>
+              <a:rPr dirty="0"/>
+              <a:t>DAX</a:t>
+            </a:r>
+            <a:r>
+              <a:rPr spc="-5" dirty="0"/>
+              <a:t> </a:t>
+            </a:r>
+            <a:r>
+              <a:rPr spc="-120" dirty="0"/>
+              <a:t>FORMULA</a:t>
+            </a:r>
+          </a:p>
+        </p:txBody>
+      </p:sp>
+      <p:sp>
+        <p:nvSpPr>
+          <p:cNvPr id="4" name="object 4"/>
+          <p:cNvSpPr txBox="1"/>
+          <p:nvPr/>
+        </p:nvSpPr>
+        <p:spPr>
+          <a:xfrm>
+            <a:off x="1575308" y="2469642"/>
+            <a:ext cx="3027680" cy="269240"/>
+          </a:xfrm>
+          <a:prstGeom prst="rect">
+            <a:avLst/>
+          </a:prstGeom>
+        </p:spPr>
+        <p:txBody>
+          <a:bodyPr vert="horz" wrap="square" lIns="0" tIns="12065" rIns="0" bIns="0" rtlCol="0">
+            <a:spAutoFit/>
+          </a:bodyPr>
+          <a:lstStyle/>
+          <a:p>
+            <a:pPr marL="12700">
+              <a:lnSpc>
+                <a:spcPct val="100000"/>
+              </a:lnSpc>
+              <a:spcBef>
+                <a:spcPts val="95"/>
+              </a:spcBef>
+            </a:pPr>
+            <a:r>
+              <a:rPr sz="1600" b="1" spc="-10" dirty="0">
+                <a:latin typeface="Consolas"/>
+                <a:cs typeface="Consolas"/>
+              </a:rPr>
+              <a:t>SAMEPERIODLASTYEAR(&lt;dates&gt;)</a:t>
+            </a:r>
+            <a:endParaRPr sz="1600">
+              <a:latin typeface="Consolas"/>
+              <a:cs typeface="Consolas"/>
+            </a:endParaRPr>
+          </a:p>
+        </p:txBody>
+      </p:sp>
+      <p:sp>
+        <p:nvSpPr>
+          <p:cNvPr id="5" name="object 5"/>
+          <p:cNvSpPr txBox="1"/>
+          <p:nvPr/>
+        </p:nvSpPr>
+        <p:spPr>
+          <a:xfrm>
+            <a:off x="1575308" y="1502791"/>
+            <a:ext cx="1371600" cy="452120"/>
+          </a:xfrm>
+          <a:prstGeom prst="rect">
+            <a:avLst/>
+          </a:prstGeom>
+        </p:spPr>
+        <p:txBody>
+          <a:bodyPr vert="horz" wrap="square" lIns="0" tIns="12065" rIns="0" bIns="0" rtlCol="0">
+            <a:spAutoFit/>
+          </a:bodyPr>
+          <a:lstStyle/>
+          <a:p>
+            <a:pPr marL="12700">
+              <a:lnSpc>
+                <a:spcPct val="100000"/>
+              </a:lnSpc>
+              <a:spcBef>
+                <a:spcPts val="95"/>
+              </a:spcBef>
+            </a:pPr>
+            <a:r>
+              <a:rPr sz="2800" b="1" spc="-30" dirty="0">
+                <a:latin typeface="Trebuchet MS"/>
+                <a:cs typeface="Trebuchet MS"/>
+              </a:rPr>
+              <a:t>Formula</a:t>
+            </a:r>
+            <a:endParaRPr sz="2800">
+              <a:latin typeface="Trebuchet MS"/>
+              <a:cs typeface="Trebuchet MS"/>
+            </a:endParaRPr>
+          </a:p>
+        </p:txBody>
+      </p:sp>
+      <p:sp>
+        <p:nvSpPr>
+          <p:cNvPr id="6" name="object 6"/>
+          <p:cNvSpPr/>
+          <p:nvPr/>
+        </p:nvSpPr>
+        <p:spPr>
+          <a:xfrm>
+            <a:off x="1496313" y="3096895"/>
+            <a:ext cx="8829675" cy="0"/>
+          </a:xfrm>
+          <a:custGeom>
+            <a:avLst/>
+            <a:gdLst/>
+            <a:ahLst/>
+            <a:cxnLst/>
+            <a:rect l="l" t="t" r="r" b="b"/>
+            <a:pathLst>
+              <a:path w="8829675">
+                <a:moveTo>
+                  <a:pt x="0" y="0"/>
+                </a:moveTo>
+                <a:lnTo>
+                  <a:pt x="8829167" y="0"/>
+                </a:lnTo>
+              </a:path>
+            </a:pathLst>
+          </a:custGeom>
+          <a:ln w="19050">
+            <a:solidFill>
+              <a:srgbClr val="155F82"/>
+            </a:solidFill>
+            <a:prstDash val="sysDash"/>
+          </a:ln>
+        </p:spPr>
+        <p:txBody>
+          <a:bodyPr wrap="square" lIns="0" tIns="0" rIns="0" bIns="0" rtlCol="0"/>
+          <a:lstStyle/>
+          <a:p>
+            <a:endParaRPr/>
+          </a:p>
+        </p:txBody>
+      </p:sp>
+      <p:sp>
+        <p:nvSpPr>
+          <p:cNvPr id="7" name="object 7"/>
+          <p:cNvSpPr txBox="1"/>
+          <p:nvPr/>
+        </p:nvSpPr>
+        <p:spPr>
+          <a:xfrm>
+            <a:off x="1457071" y="3575761"/>
+            <a:ext cx="9584690" cy="1489075"/>
+          </a:xfrm>
+          <a:prstGeom prst="rect">
+            <a:avLst/>
+          </a:prstGeom>
+        </p:spPr>
+        <p:txBody>
+          <a:bodyPr vert="horz" wrap="square" lIns="0" tIns="12700" rIns="0" bIns="0" rtlCol="0">
+            <a:spAutoFit/>
+          </a:bodyPr>
+          <a:lstStyle/>
+          <a:p>
+            <a:pPr marL="12700" marR="5080">
+              <a:lnSpc>
+                <a:spcPct val="100000"/>
+              </a:lnSpc>
+              <a:spcBef>
+                <a:spcPts val="100"/>
+              </a:spcBef>
+            </a:pPr>
+            <a:r>
+              <a:rPr sz="2400" spc="-100" dirty="0">
+                <a:latin typeface="Trebuchet MS"/>
+                <a:cs typeface="Trebuchet MS"/>
+              </a:rPr>
+              <a:t>The</a:t>
+            </a:r>
+            <a:r>
+              <a:rPr sz="2400" spc="-145" dirty="0">
+                <a:latin typeface="Trebuchet MS"/>
+                <a:cs typeface="Trebuchet MS"/>
+              </a:rPr>
+              <a:t> </a:t>
+            </a:r>
+            <a:r>
+              <a:rPr sz="2400" dirty="0">
+                <a:latin typeface="Trebuchet MS"/>
+                <a:cs typeface="Trebuchet MS"/>
+              </a:rPr>
+              <a:t>SAMEPERIODLASTYEAR</a:t>
+            </a:r>
+            <a:r>
+              <a:rPr sz="2400" spc="-85" dirty="0">
+                <a:latin typeface="Trebuchet MS"/>
+                <a:cs typeface="Trebuchet MS"/>
+              </a:rPr>
+              <a:t> </a:t>
+            </a:r>
+            <a:r>
+              <a:rPr sz="2400" spc="-45" dirty="0">
+                <a:latin typeface="Trebuchet MS"/>
+                <a:cs typeface="Trebuchet MS"/>
+              </a:rPr>
+              <a:t>function</a:t>
+            </a:r>
+            <a:r>
+              <a:rPr sz="2400" spc="-140" dirty="0">
+                <a:latin typeface="Trebuchet MS"/>
+                <a:cs typeface="Trebuchet MS"/>
+              </a:rPr>
+              <a:t> </a:t>
+            </a:r>
+            <a:r>
+              <a:rPr sz="2400" spc="-70" dirty="0">
+                <a:latin typeface="Trebuchet MS"/>
+                <a:cs typeface="Trebuchet MS"/>
+              </a:rPr>
+              <a:t>in</a:t>
+            </a:r>
+            <a:r>
+              <a:rPr sz="2400" spc="-140" dirty="0">
+                <a:latin typeface="Trebuchet MS"/>
+                <a:cs typeface="Trebuchet MS"/>
+              </a:rPr>
+              <a:t> </a:t>
+            </a:r>
+            <a:r>
+              <a:rPr sz="2400" dirty="0">
+                <a:latin typeface="Trebuchet MS"/>
+                <a:cs typeface="Trebuchet MS"/>
+              </a:rPr>
+              <a:t>DAX</a:t>
+            </a:r>
+            <a:r>
+              <a:rPr sz="2400" spc="-125" dirty="0">
+                <a:latin typeface="Trebuchet MS"/>
+                <a:cs typeface="Trebuchet MS"/>
+              </a:rPr>
+              <a:t> </a:t>
+            </a:r>
+            <a:r>
+              <a:rPr sz="2400" dirty="0">
+                <a:latin typeface="Trebuchet MS"/>
+                <a:cs typeface="Trebuchet MS"/>
+              </a:rPr>
+              <a:t>is</a:t>
+            </a:r>
+            <a:r>
+              <a:rPr sz="2400" spc="-145" dirty="0">
+                <a:latin typeface="Trebuchet MS"/>
+                <a:cs typeface="Trebuchet MS"/>
+              </a:rPr>
+              <a:t> </a:t>
+            </a:r>
+            <a:r>
+              <a:rPr sz="2400" dirty="0">
+                <a:latin typeface="Trebuchet MS"/>
+                <a:cs typeface="Trebuchet MS"/>
+              </a:rPr>
+              <a:t>used</a:t>
+            </a:r>
+            <a:r>
+              <a:rPr sz="2400" spc="-130" dirty="0">
+                <a:latin typeface="Trebuchet MS"/>
+                <a:cs typeface="Trebuchet MS"/>
+              </a:rPr>
+              <a:t> </a:t>
+            </a:r>
+            <a:r>
+              <a:rPr sz="2400" spc="-90" dirty="0">
+                <a:latin typeface="Trebuchet MS"/>
+                <a:cs typeface="Trebuchet MS"/>
+              </a:rPr>
+              <a:t>to</a:t>
+            </a:r>
+            <a:r>
+              <a:rPr sz="2400" spc="-150" dirty="0">
+                <a:latin typeface="Trebuchet MS"/>
+                <a:cs typeface="Trebuchet MS"/>
+              </a:rPr>
+              <a:t> </a:t>
+            </a:r>
+            <a:r>
+              <a:rPr sz="2400" spc="-100" dirty="0">
+                <a:latin typeface="Trebuchet MS"/>
+                <a:cs typeface="Trebuchet MS"/>
+              </a:rPr>
+              <a:t>return</a:t>
+            </a:r>
+            <a:r>
+              <a:rPr sz="2400" spc="-150" dirty="0">
+                <a:latin typeface="Trebuchet MS"/>
+                <a:cs typeface="Trebuchet MS"/>
+              </a:rPr>
+              <a:t> </a:t>
+            </a:r>
+            <a:r>
+              <a:rPr sz="2400" dirty="0">
+                <a:latin typeface="Trebuchet MS"/>
+                <a:cs typeface="Trebuchet MS"/>
+              </a:rPr>
+              <a:t>a</a:t>
+            </a:r>
+            <a:r>
+              <a:rPr sz="2400" spc="-140" dirty="0">
+                <a:latin typeface="Trebuchet MS"/>
+                <a:cs typeface="Trebuchet MS"/>
+              </a:rPr>
+              <a:t> </a:t>
+            </a:r>
+            <a:r>
+              <a:rPr sz="2400" spc="-75" dirty="0">
+                <a:latin typeface="Trebuchet MS"/>
+                <a:cs typeface="Trebuchet MS"/>
+              </a:rPr>
+              <a:t>table</a:t>
+            </a:r>
+            <a:r>
+              <a:rPr sz="2400" spc="-125" dirty="0">
+                <a:latin typeface="Trebuchet MS"/>
+                <a:cs typeface="Trebuchet MS"/>
+              </a:rPr>
+              <a:t> </a:t>
+            </a:r>
+            <a:r>
+              <a:rPr sz="2400" spc="-20" dirty="0">
+                <a:latin typeface="Trebuchet MS"/>
+                <a:cs typeface="Trebuchet MS"/>
+              </a:rPr>
+              <a:t>with </a:t>
+            </a:r>
+            <a:r>
+              <a:rPr sz="2400" spc="-80" dirty="0">
+                <a:latin typeface="Trebuchet MS"/>
+                <a:cs typeface="Trebuchet MS"/>
+              </a:rPr>
+              <a:t>the</a:t>
+            </a:r>
+            <a:r>
+              <a:rPr sz="2400" spc="-195" dirty="0">
+                <a:latin typeface="Trebuchet MS"/>
+                <a:cs typeface="Trebuchet MS"/>
+              </a:rPr>
+              <a:t> </a:t>
+            </a:r>
+            <a:r>
+              <a:rPr sz="2400" spc="-25" dirty="0">
+                <a:latin typeface="Trebuchet MS"/>
+                <a:cs typeface="Trebuchet MS"/>
+              </a:rPr>
+              <a:t>dates</a:t>
+            </a:r>
+            <a:r>
+              <a:rPr sz="2400" spc="-195" dirty="0">
+                <a:latin typeface="Trebuchet MS"/>
+                <a:cs typeface="Trebuchet MS"/>
+              </a:rPr>
+              <a:t> </a:t>
+            </a:r>
+            <a:r>
+              <a:rPr sz="2400" spc="-114" dirty="0">
+                <a:latin typeface="Trebuchet MS"/>
+                <a:cs typeface="Trebuchet MS"/>
+              </a:rPr>
+              <a:t>for</a:t>
+            </a:r>
+            <a:r>
+              <a:rPr sz="2400" spc="-175" dirty="0">
+                <a:latin typeface="Trebuchet MS"/>
+                <a:cs typeface="Trebuchet MS"/>
+              </a:rPr>
+              <a:t> </a:t>
+            </a:r>
+            <a:r>
+              <a:rPr sz="2400" spc="-80" dirty="0">
+                <a:latin typeface="Trebuchet MS"/>
+                <a:cs typeface="Trebuchet MS"/>
+              </a:rPr>
+              <a:t>the</a:t>
+            </a:r>
+            <a:r>
+              <a:rPr sz="2400" spc="-195" dirty="0">
+                <a:latin typeface="Trebuchet MS"/>
+                <a:cs typeface="Trebuchet MS"/>
+              </a:rPr>
+              <a:t> </a:t>
+            </a:r>
+            <a:r>
+              <a:rPr sz="2400" dirty="0">
+                <a:latin typeface="Trebuchet MS"/>
+                <a:cs typeface="Trebuchet MS"/>
+              </a:rPr>
+              <a:t>same</a:t>
+            </a:r>
+            <a:r>
+              <a:rPr sz="2400" spc="-204" dirty="0">
+                <a:latin typeface="Trebuchet MS"/>
+                <a:cs typeface="Trebuchet MS"/>
+              </a:rPr>
+              <a:t> </a:t>
+            </a:r>
+            <a:r>
+              <a:rPr sz="2400" spc="-55" dirty="0">
+                <a:latin typeface="Trebuchet MS"/>
+                <a:cs typeface="Trebuchet MS"/>
+              </a:rPr>
+              <a:t>period</a:t>
+            </a:r>
+            <a:r>
+              <a:rPr sz="2400" spc="-180" dirty="0">
+                <a:latin typeface="Trebuchet MS"/>
+                <a:cs typeface="Trebuchet MS"/>
+              </a:rPr>
+              <a:t> </a:t>
+            </a:r>
+            <a:r>
+              <a:rPr sz="2400" spc="-70" dirty="0">
+                <a:latin typeface="Trebuchet MS"/>
+                <a:cs typeface="Trebuchet MS"/>
+              </a:rPr>
+              <a:t>in</a:t>
+            </a:r>
+            <a:r>
+              <a:rPr sz="2400" spc="-190" dirty="0">
+                <a:latin typeface="Trebuchet MS"/>
+                <a:cs typeface="Trebuchet MS"/>
+              </a:rPr>
+              <a:t> </a:t>
+            </a:r>
+            <a:r>
+              <a:rPr sz="2400" spc="-85" dirty="0">
+                <a:latin typeface="Trebuchet MS"/>
+                <a:cs typeface="Trebuchet MS"/>
+              </a:rPr>
+              <a:t>the</a:t>
+            </a:r>
+            <a:r>
+              <a:rPr sz="2400" spc="-200" dirty="0">
+                <a:latin typeface="Trebuchet MS"/>
+                <a:cs typeface="Trebuchet MS"/>
+              </a:rPr>
+              <a:t> </a:t>
+            </a:r>
+            <a:r>
+              <a:rPr sz="2400" spc="-35" dirty="0">
+                <a:latin typeface="Trebuchet MS"/>
+                <a:cs typeface="Trebuchet MS"/>
+              </a:rPr>
+              <a:t>previous</a:t>
+            </a:r>
+            <a:r>
+              <a:rPr sz="2400" spc="-195" dirty="0">
+                <a:latin typeface="Trebuchet MS"/>
+                <a:cs typeface="Trebuchet MS"/>
+              </a:rPr>
+              <a:t> </a:t>
+            </a:r>
+            <a:r>
+              <a:rPr sz="2400" spc="-155" dirty="0">
+                <a:latin typeface="Trebuchet MS"/>
+                <a:cs typeface="Trebuchet MS"/>
+              </a:rPr>
+              <a:t>year.</a:t>
+            </a:r>
+            <a:r>
+              <a:rPr sz="2400" spc="-175" dirty="0">
+                <a:latin typeface="Trebuchet MS"/>
+                <a:cs typeface="Trebuchet MS"/>
+              </a:rPr>
+              <a:t> </a:t>
+            </a:r>
+            <a:r>
+              <a:rPr sz="2400" spc="-50" dirty="0">
+                <a:latin typeface="Trebuchet MS"/>
+                <a:cs typeface="Trebuchet MS"/>
+              </a:rPr>
+              <a:t>This</a:t>
+            </a:r>
+            <a:r>
+              <a:rPr sz="2400" spc="-195" dirty="0">
+                <a:latin typeface="Trebuchet MS"/>
+                <a:cs typeface="Trebuchet MS"/>
+              </a:rPr>
+              <a:t> </a:t>
+            </a:r>
+            <a:r>
+              <a:rPr sz="2400" spc="-50" dirty="0">
+                <a:latin typeface="Trebuchet MS"/>
+                <a:cs typeface="Trebuchet MS"/>
+              </a:rPr>
+              <a:t>function</a:t>
+            </a:r>
+            <a:r>
+              <a:rPr sz="2400" spc="-195" dirty="0">
+                <a:latin typeface="Trebuchet MS"/>
+                <a:cs typeface="Trebuchet MS"/>
+              </a:rPr>
+              <a:t> </a:t>
+            </a:r>
+            <a:r>
+              <a:rPr sz="2400" dirty="0">
+                <a:latin typeface="Trebuchet MS"/>
+                <a:cs typeface="Trebuchet MS"/>
+              </a:rPr>
+              <a:t>is</a:t>
+            </a:r>
+            <a:r>
+              <a:rPr sz="2400" spc="-195" dirty="0">
+                <a:latin typeface="Trebuchet MS"/>
+                <a:cs typeface="Trebuchet MS"/>
+              </a:rPr>
+              <a:t> </a:t>
+            </a:r>
+            <a:r>
+              <a:rPr sz="2400" spc="-10" dirty="0">
+                <a:latin typeface="Trebuchet MS"/>
+                <a:cs typeface="Trebuchet MS"/>
+              </a:rPr>
+              <a:t>often </a:t>
+            </a:r>
+            <a:r>
+              <a:rPr sz="2400" dirty="0">
+                <a:latin typeface="Trebuchet MS"/>
+                <a:cs typeface="Trebuchet MS"/>
+              </a:rPr>
+              <a:t>used</a:t>
+            </a:r>
+            <a:r>
+              <a:rPr sz="2400" spc="-190" dirty="0">
+                <a:latin typeface="Trebuchet MS"/>
+                <a:cs typeface="Trebuchet MS"/>
+              </a:rPr>
+              <a:t> </a:t>
+            </a:r>
+            <a:r>
+              <a:rPr sz="2400" spc="-65" dirty="0">
+                <a:latin typeface="Trebuchet MS"/>
+                <a:cs typeface="Trebuchet MS"/>
+              </a:rPr>
+              <a:t>in</a:t>
+            </a:r>
+            <a:r>
+              <a:rPr sz="2400" spc="-185" dirty="0">
+                <a:latin typeface="Trebuchet MS"/>
+                <a:cs typeface="Trebuchet MS"/>
+              </a:rPr>
+              <a:t> </a:t>
+            </a:r>
+            <a:r>
+              <a:rPr sz="2400" spc="-85" dirty="0">
+                <a:latin typeface="Trebuchet MS"/>
+                <a:cs typeface="Trebuchet MS"/>
+              </a:rPr>
+              <a:t>time</a:t>
+            </a:r>
+            <a:r>
+              <a:rPr sz="2400" spc="-195" dirty="0">
+                <a:latin typeface="Trebuchet MS"/>
+                <a:cs typeface="Trebuchet MS"/>
+              </a:rPr>
+              <a:t> </a:t>
+            </a:r>
+            <a:r>
+              <a:rPr sz="2400" spc="-75" dirty="0">
+                <a:latin typeface="Trebuchet MS"/>
+                <a:cs typeface="Trebuchet MS"/>
+              </a:rPr>
+              <a:t>intelligence</a:t>
+            </a:r>
+            <a:r>
+              <a:rPr sz="2400" spc="-185" dirty="0">
+                <a:latin typeface="Trebuchet MS"/>
+                <a:cs typeface="Trebuchet MS"/>
+              </a:rPr>
+              <a:t> </a:t>
+            </a:r>
+            <a:r>
+              <a:rPr sz="2400" spc="-10" dirty="0">
+                <a:latin typeface="Trebuchet MS"/>
+                <a:cs typeface="Trebuchet MS"/>
+              </a:rPr>
+              <a:t>calculations</a:t>
+            </a:r>
+            <a:r>
+              <a:rPr sz="2400" spc="-165" dirty="0">
+                <a:latin typeface="Trebuchet MS"/>
+                <a:cs typeface="Trebuchet MS"/>
+              </a:rPr>
+              <a:t> </a:t>
+            </a:r>
+            <a:r>
+              <a:rPr sz="2400" spc="-85" dirty="0">
+                <a:latin typeface="Trebuchet MS"/>
+                <a:cs typeface="Trebuchet MS"/>
+              </a:rPr>
+              <a:t>to</a:t>
+            </a:r>
+            <a:r>
+              <a:rPr sz="2400" spc="-195" dirty="0">
+                <a:latin typeface="Trebuchet MS"/>
+                <a:cs typeface="Trebuchet MS"/>
+              </a:rPr>
+              <a:t> </a:t>
+            </a:r>
+            <a:r>
+              <a:rPr sz="2400" spc="-25" dirty="0">
+                <a:latin typeface="Trebuchet MS"/>
+                <a:cs typeface="Trebuchet MS"/>
+              </a:rPr>
+              <a:t>compare</a:t>
+            </a:r>
+            <a:r>
+              <a:rPr sz="2400" spc="-175" dirty="0">
+                <a:latin typeface="Trebuchet MS"/>
+                <a:cs typeface="Trebuchet MS"/>
+              </a:rPr>
+              <a:t> </a:t>
+            </a:r>
+            <a:r>
+              <a:rPr sz="2400" spc="-75" dirty="0">
+                <a:latin typeface="Trebuchet MS"/>
+                <a:cs typeface="Trebuchet MS"/>
+              </a:rPr>
+              <a:t>current</a:t>
+            </a:r>
+            <a:r>
+              <a:rPr sz="2400" spc="-185" dirty="0">
+                <a:latin typeface="Trebuchet MS"/>
+                <a:cs typeface="Trebuchet MS"/>
+              </a:rPr>
+              <a:t> </a:t>
+            </a:r>
+            <a:r>
+              <a:rPr sz="2400" spc="-45" dirty="0">
+                <a:latin typeface="Trebuchet MS"/>
+                <a:cs typeface="Trebuchet MS"/>
+              </a:rPr>
+              <a:t>performance</a:t>
+            </a:r>
+            <a:r>
+              <a:rPr sz="2400" spc="-160" dirty="0">
+                <a:latin typeface="Trebuchet MS"/>
+                <a:cs typeface="Trebuchet MS"/>
+              </a:rPr>
+              <a:t> </a:t>
+            </a:r>
+            <a:r>
+              <a:rPr sz="2400" spc="-25" dirty="0">
+                <a:latin typeface="Trebuchet MS"/>
+                <a:cs typeface="Trebuchet MS"/>
+              </a:rPr>
+              <a:t>to </a:t>
+            </a:r>
+            <a:r>
+              <a:rPr sz="2400" spc="-80" dirty="0">
+                <a:latin typeface="Trebuchet MS"/>
+                <a:cs typeface="Trebuchet MS"/>
+              </a:rPr>
+              <a:t>the</a:t>
+            </a:r>
+            <a:r>
+              <a:rPr sz="2400" spc="-195" dirty="0">
+                <a:latin typeface="Trebuchet MS"/>
+                <a:cs typeface="Trebuchet MS"/>
+              </a:rPr>
+              <a:t> </a:t>
+            </a:r>
+            <a:r>
+              <a:rPr sz="2400" spc="-35" dirty="0">
+                <a:latin typeface="Trebuchet MS"/>
+                <a:cs typeface="Trebuchet MS"/>
+              </a:rPr>
+              <a:t>previous</a:t>
+            </a:r>
+            <a:r>
+              <a:rPr sz="2400" spc="-195" dirty="0">
+                <a:latin typeface="Trebuchet MS"/>
+                <a:cs typeface="Trebuchet MS"/>
+              </a:rPr>
+              <a:t> </a:t>
+            </a:r>
+            <a:r>
+              <a:rPr sz="2400" spc="-20" dirty="0">
+                <a:latin typeface="Trebuchet MS"/>
+                <a:cs typeface="Trebuchet MS"/>
+              </a:rPr>
+              <a:t>year.</a:t>
+            </a:r>
+            <a:endParaRPr sz="2400">
+              <a:latin typeface="Trebuchet MS"/>
+              <a:cs typeface="Trebuchet MS"/>
+            </a:endParaRPr>
+          </a:p>
+        </p:txBody>
+      </p:sp>
+      <p:pic>
+        <p:nvPicPr>
+          <p:cNvPr id="8" name="object 8"/>
+          <p:cNvPicPr/>
+          <p:nvPr/>
+        </p:nvPicPr>
+        <p:blipFill>
+          <a:blip r:embed="rId2" cstate="print"/>
+          <a:stretch>
+            <a:fillRect/>
+          </a:stretch>
+        </p:blipFill>
+        <p:spPr>
+          <a:xfrm>
+            <a:off x="10459719" y="1232027"/>
+            <a:ext cx="1466596" cy="1466596"/>
+          </a:xfrm>
+          <a:prstGeom prst="rect">
+            <a:avLst/>
+          </a:prstGeom>
+        </p:spPr>
+      </p:pic>
+    </p:spTree>
+  </p:cSld>
+  <p:clrMapOvr>
+    <a:masterClrMapping/>
+  </p:clrMapOvr>
+</p:sld>
+</file>
+
+<file path=ppt/slides/slide48.xml><?xml version="1.0" encoding="utf-8"?>
+<p:sld xmlns:a="http://schemas.openxmlformats.org/drawingml/2006/main" xmlns:r="http://schemas.openxmlformats.org/officeDocument/2006/relationships" xmlns:p="http://schemas.openxmlformats.org/presentationml/2006/main">
+  <p:cSld>
+    <p:spTree>
+      <p:nvGrpSpPr>
+        <p:cNvPr id="1" name=""/>
+        <p:cNvGrpSpPr/>
+        <p:nvPr/>
+      </p:nvGrpSpPr>
+      <p:grpSpPr>
+        <a:xfrm>
+          <a:off x="0" y="0"/>
+          <a:ext cx="0" cy="0"/>
+          <a:chOff x="0" y="0"/>
+          <a:chExt cx="0" cy="0"/>
+        </a:xfrm>
+      </p:grpSpPr>
+      <p:sp>
+        <p:nvSpPr>
+          <p:cNvPr id="2" name="object 2"/>
+          <p:cNvSpPr txBox="1">
+            <a:spLocks noGrp="1"/>
+          </p:cNvSpPr>
+          <p:nvPr>
+            <p:ph type="title"/>
+          </p:nvPr>
+        </p:nvSpPr>
+        <p:spPr>
           <a:prstGeom prst="rect">
             <a:avLst/>
           </a:prstGeom>
@@ -33610,7 +35019,7 @@
 </p:sld>
 </file>
 
-<file path=ppt/slides/slide47.xml><?xml version="1.0" encoding="utf-8"?>
+<file path=ppt/slides/slide49.xml><?xml version="1.0" encoding="utf-8"?>
 <p:sld xmlns:a="http://schemas.openxmlformats.org/drawingml/2006/main" xmlns:r="http://schemas.openxmlformats.org/officeDocument/2006/relationships" xmlns:p="http://schemas.openxmlformats.org/presentationml/2006/main">
   <p:cSld>
     <p:spTree>
@@ -36537,7 +37946,7 @@
               </a:rPr>
               <a:t>results.</a:t>
             </a:r>
-            <a:endParaRPr sz="2400">
+            <a:endParaRPr sz="2400" dirty="0">
               <a:latin typeface="Trebuchet MS"/>
               <a:cs typeface="Trebuchet MS"/>
             </a:endParaRPr>
@@ -36551,7 +37960,7 @@
                 <a:spcPts val="1945"/>
               </a:spcBef>
             </a:pPr>
-            <a:endParaRPr sz="2400">
+            <a:endParaRPr sz="2400" dirty="0">
               <a:latin typeface="Trebuchet MS"/>
               <a:cs typeface="Trebuchet MS"/>
             </a:endParaRPr>
@@ -36572,7 +37981,7 @@
               </a:rPr>
               <a:t>Example</a:t>
             </a:r>
-            <a:endParaRPr sz="2800">
+            <a:endParaRPr sz="2800" dirty="0">
               <a:latin typeface="Trebuchet MS"/>
               <a:cs typeface="Trebuchet MS"/>
             </a:endParaRPr>
@@ -36722,7 +38131,7 @@
               </a:rPr>
               <a:t>)</a:t>
             </a:r>
-            <a:endParaRPr sz="1600">
+            <a:endParaRPr sz="1600" dirty="0">
               <a:latin typeface="Consolas"/>
               <a:cs typeface="Consolas"/>
             </a:endParaRPr>
@@ -36733,7 +38142,7 @@
                 <a:spcPct val="100000"/>
               </a:lnSpc>
             </a:pPr>
-            <a:endParaRPr sz="1600">
+            <a:endParaRPr sz="1600" dirty="0">
               <a:latin typeface="Consolas"/>
               <a:cs typeface="Consolas"/>
             </a:endParaRPr>
@@ -36747,7 +38156,7 @@
                 <a:spcPts val="1480"/>
               </a:spcBef>
             </a:pPr>
-            <a:endParaRPr sz="1600">
+            <a:endParaRPr sz="1600" dirty="0">
               <a:latin typeface="Consolas"/>
               <a:cs typeface="Consolas"/>
             </a:endParaRPr>
@@ -37101,7 +38510,7 @@
               </a:rPr>
               <a:t>logic.</a:t>
             </a:r>
-            <a:endParaRPr sz="2400">
+            <a:endParaRPr sz="2400" dirty="0">
               <a:latin typeface="Trebuchet MS"/>
               <a:cs typeface="Trebuchet MS"/>
             </a:endParaRPr>
@@ -37465,7 +38874,7 @@
               </a:rPr>
               <a:t>context.</a:t>
             </a:r>
-            <a:endParaRPr sz="2400">
+            <a:endParaRPr sz="2400" dirty="0">
               <a:latin typeface="Trebuchet MS"/>
               <a:cs typeface="Trebuchet MS"/>
             </a:endParaRPr>
